--- a/Class 3/Introduction to Web Development_Lesson3.pptx
+++ b/Class 3/Introduction to Web Development_Lesson3.pptx
@@ -7,8 +7,11 @@
   <p:sldIdLst>
     <p:sldId id="256" r:id="rId2"/>
     <p:sldId id="257" r:id="rId3"/>
-    <p:sldId id="258" r:id="rId4"/>
-    <p:sldId id="259" r:id="rId5"/>
+    <p:sldId id="261" r:id="rId4"/>
+    <p:sldId id="258" r:id="rId5"/>
+    <p:sldId id="263" r:id="rId6"/>
+    <p:sldId id="259" r:id="rId7"/>
+    <p:sldId id="262" r:id="rId8"/>
   </p:sldIdLst>
   <p:sldSz cx="12192000" cy="6858000"/>
   <p:notesSz cx="6858000" cy="9144000"/>
@@ -107,6 +110,11 @@
       </a:defRPr>
     </a:lvl9pPr>
   </p:defaultTextStyle>
+  <p:extLst>
+    <p:ext uri="{EFAFB233-063F-42B5-8137-9DF3F51BA10A}">
+      <p15:sldGuideLst xmlns:p15="http://schemas.microsoft.com/office/powerpoint/2012/main"/>
+    </p:ext>
+  </p:extLst>
 </p:presentation>
 </file>
 
@@ -336,7 +344,7 @@
           <a:p>
             <a:fld id="{4BDF68E2-58F2-4D09-BE8B-E3BD06533059}" type="datetimeFigureOut">
               <a:rPr lang="en-US" dirty="0"/>
-              <a:t>11/18/2014</a:t>
+              <a:t>11/25/2014</a:t>
             </a:fld>
             <a:endParaRPr lang="en-US" dirty="0"/>
           </a:p>
@@ -539,7 +547,7 @@
           <a:p>
             <a:fld id="{2E2D6473-DF6D-4702-B328-E0DD40540A4E}" type="datetimeFigureOut">
               <a:rPr lang="en-US" dirty="0"/>
-              <a:t>11/18/2014</a:t>
+              <a:t>11/25/2014</a:t>
             </a:fld>
             <a:endParaRPr lang="en-US" dirty="0"/>
           </a:p>
@@ -790,7 +798,7 @@
           <a:p>
             <a:fld id="{E26F7E3A-B166-407D-9866-32884E7D5B37}" type="datetimeFigureOut">
               <a:rPr lang="en-US" dirty="0"/>
-              <a:t>11/18/2014</a:t>
+              <a:t>11/25/2014</a:t>
             </a:fld>
             <a:endParaRPr lang="en-US" dirty="0"/>
           </a:p>
@@ -959,7 +967,7 @@
           <a:p>
             <a:fld id="{528FC5F6-F338-4AE4-BB23-26385BCFC423}" type="datetimeFigureOut">
               <a:rPr lang="en-US" dirty="0"/>
-              <a:t>11/18/2014</a:t>
+              <a:t>11/25/2014</a:t>
             </a:fld>
             <a:endParaRPr lang="en-US" dirty="0"/>
           </a:p>
@@ -1297,7 +1305,7 @@
           <a:p>
             <a:fld id="{20EBB0C4-6273-4C6E-B9BD-2EDC30F1CD52}" type="datetimeFigureOut">
               <a:rPr lang="en-US" dirty="0"/>
-              <a:t>11/18/2014</a:t>
+              <a:t>11/25/2014</a:t>
             </a:fld>
             <a:endParaRPr lang="en-US" dirty="0"/>
           </a:p>
@@ -1567,7 +1575,7 @@
           <a:p>
             <a:fld id="{19AB4D41-86C1-4908-B66A-0B50CEB3BF29}" type="datetimeFigureOut">
               <a:rPr lang="en-US" dirty="0"/>
-              <a:t>11/18/2014</a:t>
+              <a:t>11/25/2014</a:t>
             </a:fld>
             <a:endParaRPr lang="en-US" dirty="0"/>
           </a:p>
@@ -1941,7 +1949,7 @@
           <a:p>
             <a:fld id="{E6426E2C-56C1-4E0D-A793-0088A7FDD37E}" type="datetimeFigureOut">
               <a:rPr lang="en-US" dirty="0"/>
-              <a:t>11/18/2014</a:t>
+              <a:t>11/25/2014</a:t>
             </a:fld>
             <a:endParaRPr lang="en-US" dirty="0"/>
           </a:p>
@@ -2054,7 +2062,7 @@
           <a:p>
             <a:fld id="{C8C39B41-D8B5-4052-B551-9B5525EAA8B6}" type="datetimeFigureOut">
               <a:rPr lang="en-US" dirty="0"/>
-              <a:t>11/18/2014</a:t>
+              <a:t>11/25/2014</a:t>
             </a:fld>
             <a:endParaRPr lang="en-US" dirty="0"/>
           </a:p>
@@ -2220,7 +2228,7 @@
           <a:p>
             <a:fld id="{4D94136C-8742-45B2-AF27-D93DF72833A9}" type="datetimeFigureOut">
               <a:rPr lang="en-US" dirty="0"/>
-              <a:t>11/18/2014</a:t>
+              <a:t>11/25/2014</a:t>
             </a:fld>
             <a:endParaRPr lang="en-US" dirty="0"/>
           </a:p>
@@ -2570,7 +2578,7 @@
           <a:p>
             <a:fld id="{32ABBEA6-7C60-4B02-AE87-00D78D8422AF}" type="datetimeFigureOut">
               <a:rPr lang="en-US" dirty="0"/>
-              <a:t>11/18/2014</a:t>
+              <a:t>11/25/2014</a:t>
             </a:fld>
             <a:endParaRPr lang="en-US" dirty="0"/>
           </a:p>
@@ -2948,7 +2956,7 @@
           <a:p>
             <a:fld id="{C9CAD897-D46E-4AD2-BD9B-49DD3E640873}" type="datetimeFigureOut">
               <a:rPr lang="en-US" dirty="0"/>
-              <a:t>11/18/2014</a:t>
+              <a:t>11/25/2014</a:t>
             </a:fld>
             <a:endParaRPr lang="en-US" dirty="0"/>
           </a:p>
@@ -3230,7 +3238,7 @@
           <a:p>
             <a:fld id="{98624D31-43A5-475A-80CF-332C9F6DCF35}" type="datetimeFigureOut">
               <a:rPr lang="en-US" dirty="0"/>
-              <a:t>11/18/2014</a:t>
+              <a:t>11/25/2014</a:t>
             </a:fld>
             <a:endParaRPr lang="en-US" dirty="0"/>
           </a:p>
@@ -3878,7 +3886,7 @@
         <p:spPr/>
         <p:txBody>
           <a:bodyPr>
-            <a:normAutofit fontScale="92500" lnSpcReduction="20000"/>
+            <a:normAutofit fontScale="92500" lnSpcReduction="10000"/>
           </a:bodyPr>
           <a:lstStyle/>
           <a:p>
@@ -3890,158 +3898,203 @@
           <a:p>
             <a:pPr lvl="1"/>
             <a:r>
-              <a:rPr lang="en-US" sz="2200" dirty="0"/>
-              <a:t>Anchor &lt;a&gt;&lt;/a&gt;</a:t>
-            </a:r>
+              <a:rPr lang="en-US" sz="2800" dirty="0"/>
+              <a:t>Anchor &lt;a&gt;&lt;/a</a:t>
+            </a:r>
+            <a:r>
+              <a:rPr lang="en-US" sz="2800" dirty="0" smtClean="0"/>
+              <a:t>&gt; - Are used to create clickable links to other pages, pictures, videos, etc.</a:t>
+            </a:r>
+            <a:endParaRPr lang="en-US" sz="2800" dirty="0"/>
           </a:p>
           <a:p>
             <a:pPr lvl="2"/>
             <a:r>
-              <a:rPr lang="en-US" sz="1700" dirty="0"/>
-              <a:t>Target=“_blank”</a:t>
-            </a:r>
+              <a:rPr lang="en-US" sz="2000" dirty="0"/>
+              <a:t>Target=“_blank</a:t>
+            </a:r>
+            <a:r>
+              <a:rPr lang="en-US" sz="2000" dirty="0" smtClean="0"/>
+              <a:t>” - </a:t>
+            </a:r>
+            <a:r>
+              <a:rPr lang="en-US" sz="2000" dirty="0"/>
+              <a:t>Specifies where to open the linked </a:t>
+            </a:r>
+            <a:r>
+              <a:rPr lang="en-US" sz="2000" dirty="0" smtClean="0"/>
+              <a:t>document.</a:t>
+            </a:r>
+            <a:endParaRPr lang="en-US" sz="2000" dirty="0"/>
           </a:p>
           <a:p>
             <a:pPr lvl="2"/>
             <a:r>
-              <a:rPr lang="en-US" sz="1700" dirty="0" err="1"/>
-              <a:t>Href</a:t>
-            </a:r>
-            <a:r>
-              <a:rPr lang="en-US" sz="1700" dirty="0"/>
+              <a:rPr lang="en-US" sz="2000" dirty="0" err="1" smtClean="0"/>
+              <a:t>href</a:t>
+            </a:r>
+            <a:r>
+              <a:rPr lang="en-US" sz="2000" dirty="0" smtClean="0"/>
+              <a:t>=</a:t>
+            </a:r>
+            <a:r>
+              <a:rPr lang="en-US" sz="2000" dirty="0" smtClean="0">
+                <a:hlinkClick r:id="rId2"/>
+              </a:rPr>
+              <a:t>“www.example.pe</a:t>
+            </a:r>
+            <a:r>
+              <a:rPr lang="en-US" sz="2000" dirty="0" smtClean="0"/>
+              <a:t>” -  </a:t>
+            </a:r>
+            <a:r>
+              <a:rPr lang="en-US" sz="2000" dirty="0" smtClean="0"/>
+              <a:t>Specifies </a:t>
+            </a:r>
+            <a:r>
+              <a:rPr lang="en-US" sz="2000" dirty="0"/>
+              <a:t>the URL of the page the link goes </a:t>
+            </a:r>
+            <a:r>
+              <a:rPr lang="en-US" sz="2000" dirty="0" smtClean="0"/>
+              <a:t>to.</a:t>
+            </a:r>
+          </a:p>
+          <a:p>
+            <a:pPr lvl="2"/>
+            <a:r>
+              <a:rPr lang="en-US" sz="2000" dirty="0" err="1" smtClean="0"/>
+              <a:t>rel</a:t>
+            </a:r>
+            <a:r>
+              <a:rPr lang="en-US" sz="2000" dirty="0" smtClean="0"/>
+              <a:t>=“bookmark” - </a:t>
+            </a:r>
+            <a:r>
+              <a:rPr lang="en-US" sz="2000" dirty="0"/>
+              <a:t>Specifies the relationship between the current document and the linked document</a:t>
+            </a:r>
+            <a:endParaRPr lang="en-US" sz="2000" dirty="0"/>
+          </a:p>
+          <a:p>
+            <a:pPr lvl="1"/>
+            <a:r>
+              <a:rPr lang="en-US" sz="2800" dirty="0" err="1"/>
+              <a:t>Img</a:t>
+            </a:r>
+            <a:r>
+              <a:rPr lang="en-US" sz="2800" dirty="0"/>
+              <a:t> &lt;</a:t>
+            </a:r>
+            <a:r>
+              <a:rPr lang="en-US" sz="2800" dirty="0" err="1"/>
+              <a:t>img</a:t>
+            </a:r>
+            <a:r>
+              <a:rPr lang="en-US" sz="2800" dirty="0"/>
+              <a:t>&gt;&lt;/</a:t>
+            </a:r>
+            <a:r>
+              <a:rPr lang="en-US" sz="2800" dirty="0" err="1"/>
+              <a:t>img</a:t>
+            </a:r>
+            <a:r>
+              <a:rPr lang="en-US" sz="2800" dirty="0" smtClean="0"/>
+              <a:t>&gt;</a:t>
+            </a:r>
+          </a:p>
+          <a:p>
+            <a:pPr lvl="2"/>
+            <a:r>
+              <a:rPr lang="en-US" sz="2000" dirty="0" err="1"/>
+              <a:t>Src</a:t>
+            </a:r>
+            <a:r>
+              <a:rPr lang="en-US" sz="2000" dirty="0"/>
               <a:t> </a:t>
             </a:r>
             <a:r>
-              <a:rPr lang="en-US" sz="1700" dirty="0" err="1"/>
-              <a:t>href</a:t>
-            </a:r>
-            <a:r>
-              <a:rPr lang="en-US" sz="1700" dirty="0"/>
-              <a:t>=“www.example.pe”</a:t>
+              <a:rPr lang="en-US" sz="2000" dirty="0" err="1"/>
+              <a:t>src</a:t>
+            </a:r>
+            <a:r>
+              <a:rPr lang="en-US" sz="2000" dirty="0"/>
+              <a:t>=“../images/example.png</a:t>
+            </a:r>
+            <a:r>
+              <a:rPr lang="en-US" sz="2000" dirty="0" smtClean="0"/>
+              <a:t>” - </a:t>
+            </a:r>
+            <a:r>
+              <a:rPr lang="en-US" sz="2000" dirty="0"/>
+              <a:t>Specifies the URL of an </a:t>
+            </a:r>
+            <a:r>
+              <a:rPr lang="en-US" sz="2000" dirty="0" smtClean="0"/>
+              <a:t>image</a:t>
             </a:r>
           </a:p>
           <a:p>
             <a:pPr lvl="2"/>
-            <a:endParaRPr lang="en-US" sz="1700" dirty="0"/>
+            <a:r>
+              <a:rPr lang="en-US" sz="2000" dirty="0" smtClean="0"/>
+              <a:t>alt=“example text here” - </a:t>
+            </a:r>
+            <a:r>
+              <a:rPr lang="en-US" sz="2000" dirty="0"/>
+              <a:t>Specifies an alternate text for an </a:t>
+            </a:r>
+            <a:r>
+              <a:rPr lang="en-US" sz="2000" dirty="0" smtClean="0"/>
+              <a:t>image</a:t>
+            </a:r>
+          </a:p>
+          <a:p>
+            <a:pPr lvl="2"/>
+            <a:r>
+              <a:rPr lang="en-US" sz="2000" dirty="0" smtClean="0"/>
+              <a:t>height=“100” - </a:t>
+            </a:r>
+            <a:r>
+              <a:rPr lang="en-US" sz="2000" dirty="0"/>
+              <a:t>Specifies the height of an </a:t>
+            </a:r>
+            <a:r>
+              <a:rPr lang="en-US" sz="2000" dirty="0" smtClean="0"/>
+              <a:t>image in pixels</a:t>
+            </a:r>
+          </a:p>
+          <a:p>
+            <a:pPr lvl="2"/>
+            <a:r>
+              <a:rPr lang="en-US" sz="2000" dirty="0" smtClean="0"/>
+              <a:t>width=“100” - </a:t>
+            </a:r>
+            <a:r>
+              <a:rPr lang="en-US" sz="2000" dirty="0"/>
+              <a:t>Specifies the </a:t>
+            </a:r>
+            <a:r>
+              <a:rPr lang="en-US" sz="2000" dirty="0" smtClean="0"/>
+              <a:t>width of </a:t>
+            </a:r>
+            <a:r>
+              <a:rPr lang="en-US" sz="2000" dirty="0"/>
+              <a:t>an </a:t>
+            </a:r>
+            <a:r>
+              <a:rPr lang="en-US" sz="2000" dirty="0" smtClean="0"/>
+              <a:t>image in pixels</a:t>
+            </a:r>
+            <a:endParaRPr lang="en-US" sz="2000" dirty="0"/>
           </a:p>
           <a:p>
             <a:pPr lvl="1"/>
-            <a:r>
-              <a:rPr lang="en-US" sz="2200" dirty="0" err="1"/>
-              <a:t>Img</a:t>
-            </a:r>
-            <a:r>
-              <a:rPr lang="en-US" sz="2200" dirty="0"/>
-              <a:t> &lt;</a:t>
-            </a:r>
-            <a:r>
-              <a:rPr lang="en-US" sz="2200" dirty="0" err="1"/>
-              <a:t>img</a:t>
-            </a:r>
-            <a:r>
-              <a:rPr lang="en-US" sz="2200" dirty="0"/>
-              <a:t>&gt;&lt;/</a:t>
-            </a:r>
-            <a:r>
-              <a:rPr lang="en-US" sz="2200" dirty="0" err="1"/>
-              <a:t>img</a:t>
-            </a:r>
-            <a:r>
-              <a:rPr lang="en-US" sz="2200" dirty="0"/>
-              <a:t>&gt;</a:t>
-            </a:r>
+            <a:endParaRPr lang="en-US" sz="2200" dirty="0" smtClean="0"/>
           </a:p>
           <a:p>
             <a:pPr lvl="1"/>
-            <a:r>
-              <a:rPr lang="en-US" sz="2200" dirty="0"/>
-              <a:t>Unordered List &lt;</a:t>
-            </a:r>
-            <a:r>
-              <a:rPr lang="en-US" sz="2200" dirty="0" err="1"/>
-              <a:t>ul</a:t>
-            </a:r>
-            <a:r>
-              <a:rPr lang="en-US" sz="2200" dirty="0"/>
-              <a:t>&gt;&lt;/</a:t>
-            </a:r>
-            <a:r>
-              <a:rPr lang="en-US" sz="2200" dirty="0" err="1"/>
-              <a:t>ul</a:t>
-            </a:r>
-            <a:r>
-              <a:rPr lang="en-US" sz="2200" dirty="0"/>
-              <a:t>&gt;</a:t>
-            </a:r>
-          </a:p>
-          <a:p>
-            <a:pPr lvl="1"/>
-            <a:r>
-              <a:rPr lang="en-US" sz="2200" dirty="0"/>
-              <a:t>Ordered List &lt;</a:t>
-            </a:r>
-            <a:r>
-              <a:rPr lang="en-US" sz="2200" dirty="0" err="1"/>
-              <a:t>ol</a:t>
-            </a:r>
-            <a:r>
-              <a:rPr lang="en-US" sz="2200" dirty="0"/>
-              <a:t>&gt;&lt;/</a:t>
-            </a:r>
-            <a:r>
-              <a:rPr lang="en-US" sz="2200" dirty="0" err="1"/>
-              <a:t>ol</a:t>
-            </a:r>
-            <a:r>
-              <a:rPr lang="en-US" sz="2200" dirty="0"/>
-              <a:t>&gt;</a:t>
-            </a:r>
-          </a:p>
-          <a:p>
-            <a:pPr lvl="1"/>
-            <a:r>
-              <a:rPr lang="en-US" sz="2200" dirty="0"/>
-              <a:t>List &lt;li&gt;&lt;/li&gt;</a:t>
-            </a:r>
-          </a:p>
-          <a:p>
-            <a:r>
-              <a:rPr lang="en-US" sz="2600" dirty="0"/>
-              <a:t>New Attributes</a:t>
-            </a:r>
-          </a:p>
-          <a:p>
-            <a:pPr lvl="1"/>
-            <a:r>
-              <a:rPr lang="en-US" sz="2200" dirty="0" err="1"/>
-              <a:t>Src</a:t>
-            </a:r>
-            <a:r>
-              <a:rPr lang="en-US" sz="2200" dirty="0"/>
-              <a:t> </a:t>
-            </a:r>
-            <a:r>
-              <a:rPr lang="en-US" sz="2200" dirty="0" err="1"/>
-              <a:t>src</a:t>
-            </a:r>
-            <a:r>
-              <a:rPr lang="en-US" sz="2200" dirty="0"/>
-              <a:t>=“../images/example.png”</a:t>
-            </a:r>
-          </a:p>
-          <a:p>
-            <a:pPr lvl="1"/>
-            <a:r>
-              <a:rPr lang="en-US" sz="2200" dirty="0"/>
-              <a:t>Width width=“100px”</a:t>
-            </a:r>
-          </a:p>
-          <a:p>
-            <a:pPr lvl="1"/>
-            <a:r>
-              <a:rPr lang="en-US" sz="2200" dirty="0"/>
-              <a:t>Height height=“100px”</a:t>
-            </a:r>
+            <a:endParaRPr lang="en-US" sz="2200" dirty="0"/>
           </a:p>
           <a:p>
             <a:endParaRPr lang="en-US" dirty="0"/>
@@ -4095,8 +4148,13 @@
           <a:p>
             <a:r>
               <a:rPr lang="en-US" dirty="0"/>
-              <a:t>Form Elements</a:t>
-            </a:r>
+              <a:t>Recap of Lesson </a:t>
+            </a:r>
+            <a:r>
+              <a:rPr lang="en-US" dirty="0" smtClean="0"/>
+              <a:t>2</a:t>
+            </a:r>
+            <a:endParaRPr lang="en-US" dirty="0"/>
           </a:p>
         </p:txBody>
       </p:sp>
@@ -4118,97 +4176,106 @@
           <a:lstStyle/>
           <a:p>
             <a:r>
-              <a:rPr lang="en-US" sz="2800" dirty="0"/>
-              <a:t>New Form Elements</a:t>
-            </a:r>
+              <a:rPr lang="en-US" sz="4200" dirty="0"/>
+              <a:t>New Block-Level Elements</a:t>
+            </a:r>
+            <a:endParaRPr lang="en-US" sz="4200" dirty="0" smtClean="0"/>
           </a:p>
           <a:p>
             <a:pPr lvl="1"/>
             <a:r>
+              <a:rPr lang="en-US" sz="3600" dirty="0" smtClean="0"/>
+              <a:t>Unordered </a:t>
+            </a:r>
+            <a:r>
+              <a:rPr lang="en-US" sz="3600" dirty="0"/>
+              <a:t>List &lt;</a:t>
+            </a:r>
+            <a:r>
+              <a:rPr lang="en-US" sz="3600" dirty="0" err="1"/>
+              <a:t>ul</a:t>
+            </a:r>
+            <a:r>
+              <a:rPr lang="en-US" sz="3600" dirty="0"/>
+              <a:t>&gt;&lt;/</a:t>
+            </a:r>
+            <a:r>
+              <a:rPr lang="en-US" sz="3600" dirty="0" err="1"/>
+              <a:t>ul</a:t>
+            </a:r>
+            <a:r>
+              <a:rPr lang="en-US" sz="3600" dirty="0" smtClean="0"/>
+              <a:t>&gt; - an unordered html list</a:t>
+            </a:r>
+            <a:endParaRPr lang="en-US" sz="3600" dirty="0"/>
+          </a:p>
+          <a:p>
+            <a:pPr lvl="1"/>
+            <a:r>
+              <a:rPr lang="en-US" sz="3600" dirty="0"/>
+              <a:t>Ordered List &lt;</a:t>
+            </a:r>
+            <a:r>
+              <a:rPr lang="en-US" sz="3600" dirty="0" err="1"/>
+              <a:t>ol</a:t>
+            </a:r>
+            <a:r>
+              <a:rPr lang="en-US" sz="3600" dirty="0"/>
+              <a:t>&gt;&lt;/</a:t>
+            </a:r>
+            <a:r>
+              <a:rPr lang="en-US" sz="3600" dirty="0" err="1"/>
+              <a:t>ol</a:t>
+            </a:r>
+            <a:r>
+              <a:rPr lang="en-US" sz="3600" dirty="0" smtClean="0"/>
+              <a:t>&gt; - an ordered html list</a:t>
+            </a:r>
+            <a:endParaRPr lang="en-US" sz="3600" dirty="0"/>
+          </a:p>
+          <a:p>
+            <a:pPr lvl="1"/>
+            <a:r>
+              <a:rPr lang="en-US" sz="3600" dirty="0"/>
+              <a:t>List &lt;li&gt;&lt;/li</a:t>
+            </a:r>
+            <a:r>
+              <a:rPr lang="en-US" sz="3600" dirty="0" smtClean="0"/>
+              <a:t>&gt; - used in &lt;</a:t>
+            </a:r>
+            <a:r>
+              <a:rPr lang="en-US" sz="3600" dirty="0" err="1" smtClean="0"/>
+              <a:t>ol</a:t>
+            </a:r>
+            <a:r>
+              <a:rPr lang="en-US" sz="3600" dirty="0" smtClean="0"/>
+              <a:t>&gt; and &lt;</a:t>
+            </a:r>
+            <a:r>
+              <a:rPr lang="en-US" sz="3600" dirty="0" err="1" smtClean="0"/>
+              <a:t>ul</a:t>
+            </a:r>
+            <a:r>
+              <a:rPr lang="en-US" sz="3600" dirty="0" smtClean="0"/>
+              <a:t>&gt; to denote a list item</a:t>
+            </a:r>
+          </a:p>
+          <a:p>
+            <a:pPr lvl="2"/>
+            <a:r>
               <a:rPr lang="en-US" sz="2400" dirty="0"/>
-              <a:t>Input &lt;input&gt;&lt;/input</a:t>
-            </a:r>
-            <a:r>
-              <a:rPr lang="en-US" sz="2400" dirty="0" smtClean="0"/>
-              <a:t>&gt;</a:t>
-            </a:r>
-          </a:p>
-          <a:p>
-            <a:pPr lvl="2"/>
-            <a:r>
-              <a:rPr lang="en-US" sz="2000" dirty="0" smtClean="0"/>
-              <a:t>Type attribute can specify many different form elements.</a:t>
-            </a:r>
-          </a:p>
-          <a:p>
-            <a:pPr lvl="2"/>
-            <a:r>
-              <a:rPr lang="en-US" sz="2000" dirty="0" smtClean="0"/>
-              <a:t>type=“”</a:t>
-            </a:r>
-          </a:p>
-          <a:p>
-            <a:pPr lvl="3"/>
-            <a:r>
-              <a:rPr lang="en-US" sz="2000" dirty="0" smtClean="0"/>
-              <a:t>Button, checkbox, color, date , </a:t>
-            </a:r>
-            <a:r>
-              <a:rPr lang="en-US" sz="2000" dirty="0" err="1" smtClean="0"/>
-              <a:t>datetime</a:t>
-            </a:r>
-            <a:r>
-              <a:rPr lang="en-US" sz="2000" dirty="0" smtClean="0"/>
-              <a:t> , </a:t>
-            </a:r>
-            <a:r>
-              <a:rPr lang="en-US" sz="2000" dirty="0" err="1" smtClean="0"/>
-              <a:t>datetime</a:t>
-            </a:r>
-            <a:r>
-              <a:rPr lang="en-US" sz="2000" dirty="0" smtClean="0"/>
-              <a:t>-local, email, file, hidden, image, month, number, password, radio, range, reset, search, submit, </a:t>
-            </a:r>
-            <a:r>
-              <a:rPr lang="en-US" sz="2000" dirty="0" err="1" smtClean="0"/>
-              <a:t>tel</a:t>
-            </a:r>
-            <a:r>
-              <a:rPr lang="en-US" sz="2000" dirty="0" smtClean="0"/>
-              <a:t>, text, time, </a:t>
-            </a:r>
-            <a:r>
-              <a:rPr lang="en-US" sz="2000" dirty="0" err="1" smtClean="0"/>
-              <a:t>url</a:t>
-            </a:r>
-            <a:r>
-              <a:rPr lang="en-US" sz="2000" dirty="0" smtClean="0"/>
-              <a:t>, week </a:t>
-            </a:r>
-          </a:p>
-          <a:p>
-            <a:pPr lvl="2"/>
-            <a:r>
-              <a:rPr lang="en-US" sz="2000" dirty="0" smtClean="0"/>
-              <a:t>Other useful attributes</a:t>
-            </a:r>
-          </a:p>
-          <a:p>
-            <a:pPr lvl="3"/>
-            <a:r>
-              <a:rPr lang="en-US" sz="2000" dirty="0" smtClean="0"/>
-              <a:t>Placeholder – a short string that describes purpose of element</a:t>
-            </a:r>
-          </a:p>
-          <a:p>
-            <a:pPr lvl="3"/>
-            <a:r>
-              <a:rPr lang="en-US" sz="2000" dirty="0" smtClean="0"/>
-              <a:t>Min/Max – used for numbers and dates</a:t>
-            </a:r>
-          </a:p>
-          <a:p>
-            <a:pPr lvl="3"/>
+              <a:t>Specifies the value of a list item. The following list items will increment from that number (only for &lt;</a:t>
+            </a:r>
+            <a:r>
+              <a:rPr lang="en-US" sz="2400" dirty="0" err="1"/>
+              <a:t>ol</a:t>
+            </a:r>
+            <a:r>
+              <a:rPr lang="en-US" sz="2400" dirty="0"/>
+              <a:t>&gt; lists)</a:t>
+            </a:r>
+          </a:p>
+          <a:p>
             <a:endParaRPr lang="en-US" dirty="0"/>
           </a:p>
         </p:txBody>
@@ -4216,7 +4283,7 @@
     </p:spTree>
     <p:extLst>
       <p:ext uri="{BB962C8B-B14F-4D97-AF65-F5344CB8AC3E}">
-        <p14:creationId xmlns:p14="http://schemas.microsoft.com/office/powerpoint/2010/main" val="473117607"/>
+        <p14:creationId xmlns:p14="http://schemas.microsoft.com/office/powerpoint/2010/main" val="3021405337"/>
       </p:ext>
     </p:extLst>
   </p:cSld>
@@ -4259,6 +4326,364 @@
           <a:lstStyle/>
           <a:p>
             <a:r>
+              <a:rPr lang="en-US" dirty="0"/>
+              <a:t>Form Elements</a:t>
+            </a:r>
+          </a:p>
+        </p:txBody>
+      </p:sp>
+      <p:sp>
+        <p:nvSpPr>
+          <p:cNvPr id="3" name="Content Placeholder 2"/>
+          <p:cNvSpPr>
+            <a:spLocks noGrp="1"/>
+          </p:cNvSpPr>
+          <p:nvPr>
+            <p:ph idx="1"/>
+          </p:nvPr>
+        </p:nvSpPr>
+        <p:spPr/>
+        <p:txBody>
+          <a:bodyPr>
+            <a:normAutofit lnSpcReduction="10000"/>
+          </a:bodyPr>
+          <a:lstStyle/>
+          <a:p>
+            <a:r>
+              <a:rPr lang="en-US" sz="2800" dirty="0"/>
+              <a:t>New Form Elements</a:t>
+            </a:r>
+          </a:p>
+          <a:p>
+            <a:pPr lvl="1"/>
+            <a:r>
+              <a:rPr lang="en-US" sz="2400" dirty="0"/>
+              <a:t>Input &lt;input&gt;&lt;/input</a:t>
+            </a:r>
+            <a:r>
+              <a:rPr lang="en-US" sz="2400" dirty="0" smtClean="0"/>
+              <a:t>&gt;</a:t>
+            </a:r>
+          </a:p>
+          <a:p>
+            <a:pPr lvl="2"/>
+            <a:r>
+              <a:rPr lang="en-US" sz="2000" dirty="0" smtClean="0"/>
+              <a:t>Type attribute can specify many different form elements.</a:t>
+            </a:r>
+          </a:p>
+          <a:p>
+            <a:pPr lvl="2"/>
+            <a:r>
+              <a:rPr lang="en-US" sz="2000" dirty="0" smtClean="0"/>
+              <a:t>type=“”</a:t>
+            </a:r>
+          </a:p>
+          <a:p>
+            <a:pPr lvl="3"/>
+            <a:r>
+              <a:rPr lang="en-US" sz="2000" dirty="0" smtClean="0"/>
+              <a:t>Button, checkbox, color, date , </a:t>
+            </a:r>
+            <a:r>
+              <a:rPr lang="en-US" sz="2000" dirty="0" err="1" smtClean="0"/>
+              <a:t>datetime</a:t>
+            </a:r>
+            <a:r>
+              <a:rPr lang="en-US" sz="2000" dirty="0" smtClean="0"/>
+              <a:t> , </a:t>
+            </a:r>
+            <a:r>
+              <a:rPr lang="en-US" sz="2000" dirty="0" err="1" smtClean="0"/>
+              <a:t>datetime</a:t>
+            </a:r>
+            <a:r>
+              <a:rPr lang="en-US" sz="2000" dirty="0" smtClean="0"/>
+              <a:t>-local, email, file, hidden, image, month, number, password, radio, range, reset, search, submit, </a:t>
+            </a:r>
+            <a:r>
+              <a:rPr lang="en-US" sz="2000" dirty="0" err="1" smtClean="0"/>
+              <a:t>tel</a:t>
+            </a:r>
+            <a:r>
+              <a:rPr lang="en-US" sz="2000" dirty="0" smtClean="0"/>
+              <a:t>, text, time, </a:t>
+            </a:r>
+            <a:r>
+              <a:rPr lang="en-US" sz="2000" dirty="0" err="1" smtClean="0"/>
+              <a:t>url</a:t>
+            </a:r>
+            <a:r>
+              <a:rPr lang="en-US" sz="2000" dirty="0" smtClean="0"/>
+              <a:t>, week </a:t>
+            </a:r>
+          </a:p>
+          <a:p>
+            <a:pPr lvl="2"/>
+            <a:r>
+              <a:rPr lang="en-US" sz="2000" dirty="0" smtClean="0"/>
+              <a:t>Other useful attributes</a:t>
+            </a:r>
+          </a:p>
+          <a:p>
+            <a:pPr lvl="3"/>
+            <a:r>
+              <a:rPr lang="en-US" sz="2000" dirty="0" smtClean="0"/>
+              <a:t>Placeholder – a short string that describes purpose of element</a:t>
+            </a:r>
+          </a:p>
+          <a:p>
+            <a:pPr lvl="3"/>
+            <a:r>
+              <a:rPr lang="en-US" sz="2000" dirty="0" smtClean="0"/>
+              <a:t>Min/Max – used for numbers and </a:t>
+            </a:r>
+            <a:r>
+              <a:rPr lang="en-US" sz="2000" dirty="0" smtClean="0"/>
+              <a:t>dates</a:t>
+            </a:r>
+          </a:p>
+          <a:p>
+            <a:pPr lvl="3"/>
+            <a:r>
+              <a:rPr lang="en-US" sz="2000" dirty="0" smtClean="0"/>
+              <a:t>Accept - </a:t>
+            </a:r>
+            <a:r>
+              <a:rPr lang="en-US" sz="2000" dirty="0"/>
+              <a:t>Specifies the types of files that the server accepts (only for type="file</a:t>
+            </a:r>
+            <a:r>
+              <a:rPr lang="en-US" sz="2000" dirty="0" smtClean="0"/>
+              <a:t>")</a:t>
+            </a:r>
+          </a:p>
+          <a:p>
+            <a:pPr lvl="3"/>
+            <a:r>
+              <a:rPr lang="en-US" sz="2000" dirty="0" smtClean="0"/>
+              <a:t>Checked - Specifies </a:t>
+            </a:r>
+            <a:r>
+              <a:rPr lang="en-US" sz="2000" dirty="0"/>
+              <a:t>that an &lt;input&gt; element should be pre-selected when the page loads (for type="checkbox" or type="radio")</a:t>
+            </a:r>
+            <a:endParaRPr lang="en-US" sz="2000" dirty="0" smtClean="0"/>
+          </a:p>
+          <a:p>
+            <a:pPr lvl="3"/>
+            <a:endParaRPr lang="en-US" dirty="0"/>
+          </a:p>
+        </p:txBody>
+      </p:sp>
+    </p:spTree>
+    <p:extLst>
+      <p:ext uri="{BB962C8B-B14F-4D97-AF65-F5344CB8AC3E}">
+        <p14:creationId xmlns:p14="http://schemas.microsoft.com/office/powerpoint/2010/main" val="473117607"/>
+      </p:ext>
+    </p:extLst>
+  </p:cSld>
+  <p:clrMapOvr>
+    <a:masterClrMapping/>
+  </p:clrMapOvr>
+</p:sld>
+</file>
+
+<file path=ppt/slides/slide5.xml><?xml version="1.0" encoding="utf-8"?>
+<p:sld xmlns:a="http://schemas.openxmlformats.org/drawingml/2006/main" xmlns:r="http://schemas.openxmlformats.org/officeDocument/2006/relationships" xmlns:p="http://schemas.openxmlformats.org/presentationml/2006/main">
+  <p:cSld>
+    <p:spTree>
+      <p:nvGrpSpPr>
+        <p:cNvPr id="1" name=""/>
+        <p:cNvGrpSpPr/>
+        <p:nvPr/>
+      </p:nvGrpSpPr>
+      <p:grpSpPr>
+        <a:xfrm>
+          <a:off x="0" y="0"/>
+          <a:ext cx="0" cy="0"/>
+          <a:chOff x="0" y="0"/>
+          <a:chExt cx="0" cy="0"/>
+        </a:xfrm>
+      </p:grpSpPr>
+      <p:sp>
+        <p:nvSpPr>
+          <p:cNvPr id="4" name="Title 3"/>
+          <p:cNvSpPr>
+            <a:spLocks noGrp="1"/>
+          </p:cNvSpPr>
+          <p:nvPr>
+            <p:ph type="title"/>
+          </p:nvPr>
+        </p:nvSpPr>
+        <p:spPr/>
+        <p:txBody>
+          <a:bodyPr/>
+          <a:lstStyle/>
+          <a:p>
+            <a:r>
+              <a:rPr lang="en-US" dirty="0" smtClean="0"/>
+              <a:t>Other useful Input Attributes</a:t>
+            </a:r>
+            <a:endParaRPr lang="en-US" dirty="0"/>
+          </a:p>
+        </p:txBody>
+      </p:sp>
+      <p:sp>
+        <p:nvSpPr>
+          <p:cNvPr id="5" name="Content Placeholder 4"/>
+          <p:cNvSpPr>
+            <a:spLocks noGrp="1"/>
+          </p:cNvSpPr>
+          <p:nvPr>
+            <p:ph idx="1"/>
+          </p:nvPr>
+        </p:nvSpPr>
+        <p:spPr/>
+        <p:txBody>
+          <a:bodyPr/>
+          <a:lstStyle/>
+          <a:p>
+            <a:pPr lvl="3"/>
+            <a:r>
+              <a:rPr lang="en-US" sz="2400" dirty="0"/>
+              <a:t>Placeholder – a short string that describes purpose of element</a:t>
+            </a:r>
+          </a:p>
+          <a:p>
+            <a:pPr lvl="3"/>
+            <a:r>
+              <a:rPr lang="en-US" sz="2400" dirty="0"/>
+              <a:t>Min/Max – used for numbers and dates</a:t>
+            </a:r>
+          </a:p>
+          <a:p>
+            <a:pPr lvl="3"/>
+            <a:r>
+              <a:rPr lang="en-US" sz="2400" dirty="0"/>
+              <a:t>Accept - Specifies the types of files that the server accepts (only for type="file")</a:t>
+            </a:r>
+          </a:p>
+          <a:p>
+            <a:pPr lvl="3"/>
+            <a:r>
+              <a:rPr lang="en-US" sz="2400" dirty="0"/>
+              <a:t>Checked - Specifies that an &lt;input&gt; element should be pre-selected when the page loads (for type="checkbox" or type="radio</a:t>
+            </a:r>
+            <a:r>
+              <a:rPr lang="en-US" sz="2400" dirty="0" smtClean="0"/>
+              <a:t>")</a:t>
+            </a:r>
+          </a:p>
+          <a:p>
+            <a:pPr lvl="3"/>
+            <a:r>
+              <a:rPr lang="en-US" sz="2400" dirty="0" smtClean="0"/>
+              <a:t>Disabled - </a:t>
+            </a:r>
+            <a:r>
+              <a:rPr lang="en-US" sz="2400" dirty="0"/>
+              <a:t>Specifies that an &lt;input&gt; element should be </a:t>
+            </a:r>
+            <a:r>
+              <a:rPr lang="en-US" sz="2400" dirty="0" smtClean="0"/>
+              <a:t>disabled (shows up greyed out)</a:t>
+            </a:r>
+          </a:p>
+          <a:p>
+            <a:pPr lvl="3"/>
+            <a:r>
+              <a:rPr lang="en-US" sz="2400" dirty="0" smtClean="0"/>
+              <a:t>Size - </a:t>
+            </a:r>
+            <a:r>
+              <a:rPr lang="en-US" sz="2400" dirty="0"/>
+              <a:t>Specifies the width, in characters, of an &lt;input&gt; </a:t>
+            </a:r>
+            <a:r>
+              <a:rPr lang="en-US" sz="2400" dirty="0" smtClean="0"/>
+              <a:t>element</a:t>
+            </a:r>
+          </a:p>
+          <a:p>
+            <a:pPr lvl="3"/>
+            <a:r>
+              <a:rPr lang="en-US" sz="2400" dirty="0" smtClean="0"/>
+              <a:t>… and </a:t>
+            </a:r>
+            <a:r>
+              <a:rPr lang="en-US" sz="2400" dirty="0"/>
+              <a:t>many more (</a:t>
+            </a:r>
+            <a:r>
+              <a:rPr lang="en-US" sz="2400" dirty="0">
+                <a:hlinkClick r:id="rId2"/>
+              </a:rPr>
+              <a:t>http://</a:t>
+            </a:r>
+            <a:r>
+              <a:rPr lang="en-US" sz="2400" dirty="0" smtClean="0">
+                <a:hlinkClick r:id="rId2"/>
+              </a:rPr>
+              <a:t>www.w3schools.com/tags/tag_input.asp</a:t>
+            </a:r>
+            <a:r>
+              <a:rPr lang="en-US" sz="2400" dirty="0" smtClean="0"/>
+              <a:t>)</a:t>
+            </a:r>
+            <a:endParaRPr lang="en-US" sz="2400" dirty="0"/>
+          </a:p>
+          <a:p>
+            <a:endParaRPr lang="en-US" dirty="0"/>
+          </a:p>
+        </p:txBody>
+      </p:sp>
+    </p:spTree>
+    <p:extLst>
+      <p:ext uri="{BB962C8B-B14F-4D97-AF65-F5344CB8AC3E}">
+        <p14:creationId xmlns:p14="http://schemas.microsoft.com/office/powerpoint/2010/main" val="2753555123"/>
+      </p:ext>
+    </p:extLst>
+  </p:cSld>
+  <p:clrMapOvr>
+    <a:masterClrMapping/>
+  </p:clrMapOvr>
+</p:sld>
+</file>
+
+<file path=ppt/slides/slide6.xml><?xml version="1.0" encoding="utf-8"?>
+<p:sld xmlns:a="http://schemas.openxmlformats.org/drawingml/2006/main" xmlns:r="http://schemas.openxmlformats.org/officeDocument/2006/relationships" xmlns:p="http://schemas.openxmlformats.org/presentationml/2006/main">
+  <p:cSld>
+    <p:spTree>
+      <p:nvGrpSpPr>
+        <p:cNvPr id="1" name=""/>
+        <p:cNvGrpSpPr/>
+        <p:nvPr/>
+      </p:nvGrpSpPr>
+      <p:grpSpPr>
+        <a:xfrm>
+          <a:off x="0" y="0"/>
+          <a:ext cx="0" cy="0"/>
+          <a:chOff x="0" y="0"/>
+          <a:chExt cx="0" cy="0"/>
+        </a:xfrm>
+      </p:grpSpPr>
+      <p:sp>
+        <p:nvSpPr>
+          <p:cNvPr id="2" name="Title 1"/>
+          <p:cNvSpPr>
+            <a:spLocks noGrp="1"/>
+          </p:cNvSpPr>
+          <p:nvPr>
+            <p:ph type="title"/>
+          </p:nvPr>
+        </p:nvSpPr>
+        <p:spPr/>
+        <p:txBody>
+          <a:bodyPr/>
+          <a:lstStyle/>
+          <a:p>
+            <a:r>
               <a:rPr lang="en-US" dirty="0" smtClean="0"/>
               <a:t>Form Elements</a:t>
             </a:r>
@@ -4279,145 +4704,139 @@
         <p:spPr/>
         <p:txBody>
           <a:bodyPr>
-            <a:normAutofit fontScale="92500" lnSpcReduction="20000"/>
+            <a:normAutofit fontScale="92500"/>
           </a:bodyPr>
           <a:lstStyle/>
           <a:p>
             <a:pPr lvl="1"/>
             <a:r>
-              <a:rPr lang="en-US" sz="2400" dirty="0"/>
-              <a:t>Label &lt;label&gt;&lt;/label</a:t>
-            </a:r>
-            <a:r>
-              <a:rPr lang="en-US" sz="2400" dirty="0" smtClean="0"/>
-              <a:t>&gt;</a:t>
+              <a:rPr lang="en-US" sz="2800" dirty="0"/>
+              <a:t>Label &lt;label&gt;&lt;/</a:t>
+            </a:r>
+            <a:r>
+              <a:rPr lang="en-US" sz="2800" dirty="0" smtClean="0"/>
+              <a:t>label&gt; - A </a:t>
+            </a:r>
+            <a:r>
+              <a:rPr lang="en-US" sz="2800" dirty="0" smtClean="0"/>
+              <a:t>structure element used to form a relationship between an input element and it’s </a:t>
+            </a:r>
+            <a:r>
+              <a:rPr lang="en-US" sz="2800" dirty="0" smtClean="0"/>
+              <a:t>title</a:t>
+            </a:r>
+            <a:endParaRPr lang="en-US" sz="2800" dirty="0"/>
+          </a:p>
+          <a:p>
+            <a:pPr lvl="1"/>
+            <a:r>
+              <a:rPr lang="en-US" sz="2800" dirty="0"/>
+              <a:t>Select &lt;select&gt;&lt;/select</a:t>
+            </a:r>
+            <a:r>
+              <a:rPr lang="en-US" sz="2800" dirty="0" smtClean="0"/>
+              <a:t>&gt; - Used </a:t>
+            </a:r>
+            <a:r>
+              <a:rPr lang="en-US" sz="2800" dirty="0" smtClean="0"/>
+              <a:t>to create drop down </a:t>
+            </a:r>
+            <a:r>
+              <a:rPr lang="en-US" sz="2800" dirty="0" smtClean="0"/>
+              <a:t>list</a:t>
             </a:r>
           </a:p>
           <a:p>
             <a:pPr lvl="2"/>
             <a:r>
-              <a:rPr lang="en-US" sz="2000" dirty="0" smtClean="0"/>
-              <a:t>A structure element used to form a relationship between an input element and it’s title</a:t>
-            </a:r>
-            <a:endParaRPr lang="en-US" sz="2000" dirty="0"/>
+              <a:rPr lang="en-US" sz="2200" dirty="0" smtClean="0"/>
+              <a:t>Autofocus - </a:t>
+            </a:r>
+            <a:r>
+              <a:rPr lang="en-US" sz="2200" dirty="0"/>
+              <a:t>Specifies that the drop-down list should automatically get focus when the page </a:t>
+            </a:r>
+            <a:r>
+              <a:rPr lang="en-US" sz="2200" dirty="0" smtClean="0"/>
+              <a:t>loads</a:t>
+            </a:r>
+          </a:p>
+          <a:p>
+            <a:pPr lvl="2"/>
+            <a:r>
+              <a:rPr lang="en-US" sz="2200" dirty="0" smtClean="0"/>
+              <a:t>Multiple - </a:t>
+            </a:r>
+            <a:r>
+              <a:rPr lang="en-US" sz="2200" dirty="0"/>
+              <a:t>Specifies that multiple options can be selected at </a:t>
+            </a:r>
+            <a:r>
+              <a:rPr lang="en-US" sz="2200" dirty="0" smtClean="0"/>
+              <a:t>once</a:t>
+            </a:r>
+          </a:p>
+          <a:p>
+            <a:pPr lvl="2"/>
+            <a:r>
+              <a:rPr lang="en-US" sz="2200" dirty="0" smtClean="0"/>
+              <a:t>Size - </a:t>
+            </a:r>
+            <a:r>
+              <a:rPr lang="en-US" sz="2200" dirty="0"/>
+              <a:t>Defines the number of visible options in a drop-down </a:t>
+            </a:r>
+            <a:r>
+              <a:rPr lang="en-US" sz="2200" dirty="0" smtClean="0"/>
+              <a:t>list</a:t>
+            </a:r>
+          </a:p>
+          <a:p>
+            <a:pPr lvl="2"/>
+            <a:r>
+              <a:rPr lang="en-US" sz="2200" dirty="0" smtClean="0"/>
+              <a:t>Required - </a:t>
+            </a:r>
+            <a:r>
+              <a:rPr lang="en-US" sz="2200" dirty="0"/>
+              <a:t>Specifies that the user is required to select a value before submitting the form</a:t>
+            </a:r>
+            <a:endParaRPr lang="en-US" sz="2200" dirty="0"/>
           </a:p>
           <a:p>
             <a:pPr lvl="1"/>
             <a:r>
-              <a:rPr lang="en-US" sz="2400" dirty="0"/>
-              <a:t>Select &lt;select&gt;&lt;/select</a:t>
-            </a:r>
-            <a:r>
-              <a:rPr lang="en-US" sz="2400" dirty="0" smtClean="0"/>
-              <a:t>&gt;</a:t>
+              <a:rPr lang="en-US" sz="2800" dirty="0"/>
+              <a:t>Option &lt;option&gt;&lt;/</a:t>
+            </a:r>
+            <a:r>
+              <a:rPr lang="en-US" sz="2800" dirty="0" smtClean="0"/>
+              <a:t>option&gt; - Used </a:t>
+            </a:r>
+            <a:r>
+              <a:rPr lang="en-US" sz="2800" dirty="0" smtClean="0"/>
+              <a:t>to provide values to a drop down </a:t>
+            </a:r>
+            <a:r>
+              <a:rPr lang="en-US" sz="2800" dirty="0" smtClean="0"/>
+              <a:t>list</a:t>
             </a:r>
           </a:p>
           <a:p>
             <a:pPr lvl="2"/>
             <a:r>
-              <a:rPr lang="en-US" sz="2000" dirty="0" smtClean="0"/>
-              <a:t>Used to create drop down list</a:t>
-            </a:r>
-            <a:endParaRPr lang="en-US" sz="2000" dirty="0"/>
-          </a:p>
-          <a:p>
-            <a:pPr lvl="2"/>
-            <a:r>
-              <a:rPr lang="en-US" sz="1800" dirty="0"/>
-              <a:t>Option &lt;option&gt;&lt;/option</a:t>
-            </a:r>
-            <a:r>
-              <a:rPr lang="en-US" sz="1800" dirty="0" smtClean="0"/>
-              <a:t>&gt;</a:t>
-            </a:r>
-          </a:p>
-          <a:p>
-            <a:pPr lvl="3"/>
-            <a:r>
-              <a:rPr lang="en-US" sz="1800" dirty="0" smtClean="0"/>
-              <a:t>Used to provide values to a drop down list</a:t>
-            </a:r>
-            <a:endParaRPr lang="en-US" sz="1800" dirty="0"/>
+              <a:rPr lang="en-US" sz="2200" dirty="0" smtClean="0"/>
+              <a:t>Selected - </a:t>
+            </a:r>
+            <a:r>
+              <a:rPr lang="en-US" sz="2200" dirty="0"/>
+              <a:t>Specifies that an option should be pre-selected when the page loads</a:t>
+            </a:r>
+            <a:endParaRPr lang="en-US" sz="2200" dirty="0" smtClean="0"/>
           </a:p>
           <a:p>
             <a:pPr lvl="1"/>
-            <a:r>
-              <a:rPr lang="en-US" sz="2400" dirty="0" err="1"/>
-              <a:t>Textarea</a:t>
-            </a:r>
-            <a:r>
-              <a:rPr lang="en-US" sz="2400" dirty="0"/>
-              <a:t> &lt;</a:t>
-            </a:r>
-            <a:r>
-              <a:rPr lang="en-US" sz="2400" dirty="0" err="1"/>
-              <a:t>textaread</a:t>
-            </a:r>
-            <a:r>
-              <a:rPr lang="en-US" sz="2400" dirty="0"/>
-              <a:t>&gt;&lt;/</a:t>
-            </a:r>
-            <a:r>
-              <a:rPr lang="en-US" sz="2400" dirty="0" err="1"/>
-              <a:t>textarea</a:t>
-            </a:r>
-            <a:r>
-              <a:rPr lang="en-US" sz="2400" dirty="0" smtClean="0"/>
-              <a:t>&gt;</a:t>
-            </a:r>
-          </a:p>
-          <a:p>
-            <a:pPr lvl="2"/>
-            <a:r>
-              <a:rPr lang="en-US" sz="2000" dirty="0" smtClean="0"/>
-              <a:t>Used to create a text box that spans multiple lines</a:t>
-            </a:r>
-            <a:endParaRPr lang="en-US" sz="2000" dirty="0"/>
-          </a:p>
-          <a:p>
-            <a:pPr lvl="1"/>
-            <a:r>
-              <a:rPr lang="en-US" sz="2400" dirty="0"/>
-              <a:t>Button &lt;button&gt;&lt;/button</a:t>
-            </a:r>
-            <a:r>
-              <a:rPr lang="en-US" sz="2400" dirty="0" smtClean="0"/>
-              <a:t>&gt;</a:t>
-            </a:r>
-          </a:p>
-          <a:p>
-            <a:pPr lvl="2"/>
-            <a:r>
-              <a:rPr lang="en-US" sz="2000" dirty="0" smtClean="0"/>
-              <a:t>A valid tag, but not the preferred method of creating buttons any more</a:t>
-            </a:r>
-          </a:p>
-          <a:p>
-            <a:pPr lvl="2"/>
-            <a:r>
-              <a:rPr lang="en-US" sz="2000" dirty="0" smtClean="0"/>
-              <a:t>For a more detailed explanation of the difference between button and input </a:t>
-            </a:r>
-            <a:r>
-              <a:rPr lang="en-US" sz="2000" dirty="0"/>
-              <a:t>type=button please see (</a:t>
-            </a:r>
-            <a:r>
-              <a:rPr lang="en-US" sz="2000" dirty="0">
-                <a:hlinkClick r:id="rId2"/>
-              </a:rPr>
-              <a:t>http://web.archive.org/web/20110721191046/http://particletree.com/features/rediscovering-the-button-element</a:t>
-            </a:r>
-            <a:r>
-              <a:rPr lang="en-US" sz="2000" dirty="0" smtClean="0">
-                <a:hlinkClick r:id="rId2"/>
-              </a:rPr>
-              <a:t>/</a:t>
-            </a:r>
-            <a:r>
-              <a:rPr lang="en-US" sz="2000" dirty="0" smtClean="0"/>
-              <a:t>)</a:t>
-            </a:r>
+            <a:endParaRPr lang="en-US" sz="2400" dirty="0"/>
           </a:p>
           <a:p>
             <a:pPr lvl="2"/>
@@ -4432,6 +4851,154 @@
     <p:extLst>
       <p:ext uri="{BB962C8B-B14F-4D97-AF65-F5344CB8AC3E}">
         <p14:creationId xmlns:p14="http://schemas.microsoft.com/office/powerpoint/2010/main" val="3190637245"/>
+      </p:ext>
+    </p:extLst>
+  </p:cSld>
+  <p:clrMapOvr>
+    <a:masterClrMapping/>
+  </p:clrMapOvr>
+</p:sld>
+</file>
+
+<file path=ppt/slides/slide7.xml><?xml version="1.0" encoding="utf-8"?>
+<p:sld xmlns:a="http://schemas.openxmlformats.org/drawingml/2006/main" xmlns:r="http://schemas.openxmlformats.org/officeDocument/2006/relationships" xmlns:p="http://schemas.openxmlformats.org/presentationml/2006/main">
+  <p:cSld>
+    <p:spTree>
+      <p:nvGrpSpPr>
+        <p:cNvPr id="1" name=""/>
+        <p:cNvGrpSpPr/>
+        <p:nvPr/>
+      </p:nvGrpSpPr>
+      <p:grpSpPr>
+        <a:xfrm>
+          <a:off x="0" y="0"/>
+          <a:ext cx="0" cy="0"/>
+          <a:chOff x="0" y="0"/>
+          <a:chExt cx="0" cy="0"/>
+        </a:xfrm>
+      </p:grpSpPr>
+      <p:sp>
+        <p:nvSpPr>
+          <p:cNvPr id="2" name="Title 1"/>
+          <p:cNvSpPr>
+            <a:spLocks noGrp="1"/>
+          </p:cNvSpPr>
+          <p:nvPr>
+            <p:ph type="title"/>
+          </p:nvPr>
+        </p:nvSpPr>
+        <p:spPr/>
+        <p:txBody>
+          <a:bodyPr/>
+          <a:lstStyle/>
+          <a:p>
+            <a:r>
+              <a:rPr lang="en-US" dirty="0" smtClean="0"/>
+              <a:t>Form Elements</a:t>
+            </a:r>
+            <a:endParaRPr lang="en-US" dirty="0"/>
+          </a:p>
+        </p:txBody>
+      </p:sp>
+      <p:sp>
+        <p:nvSpPr>
+          <p:cNvPr id="3" name="Content Placeholder 2"/>
+          <p:cNvSpPr>
+            <a:spLocks noGrp="1"/>
+          </p:cNvSpPr>
+          <p:nvPr>
+            <p:ph idx="1"/>
+          </p:nvPr>
+        </p:nvSpPr>
+        <p:spPr/>
+        <p:txBody>
+          <a:bodyPr>
+            <a:normAutofit fontScale="92500"/>
+          </a:bodyPr>
+          <a:lstStyle/>
+          <a:p>
+            <a:pPr lvl="1"/>
+            <a:r>
+              <a:rPr lang="en-US" sz="3200" dirty="0" err="1" smtClean="0"/>
+              <a:t>Textarea</a:t>
+            </a:r>
+            <a:r>
+              <a:rPr lang="en-US" sz="3200" dirty="0" smtClean="0"/>
+              <a:t> &lt;</a:t>
+            </a:r>
+            <a:r>
+              <a:rPr lang="en-US" sz="3200" dirty="0" err="1" smtClean="0"/>
+              <a:t>textaread</a:t>
+            </a:r>
+            <a:r>
+              <a:rPr lang="en-US" sz="3200" dirty="0" smtClean="0"/>
+              <a:t>&gt;&lt;/</a:t>
+            </a:r>
+            <a:r>
+              <a:rPr lang="en-US" sz="3200" dirty="0" err="1" smtClean="0"/>
+              <a:t>textarea</a:t>
+            </a:r>
+            <a:r>
+              <a:rPr lang="en-US" sz="3200" dirty="0" smtClean="0"/>
+              <a:t>&gt;</a:t>
+            </a:r>
+          </a:p>
+          <a:p>
+            <a:pPr lvl="2"/>
+            <a:r>
+              <a:rPr lang="en-US" sz="2800" dirty="0" smtClean="0"/>
+              <a:t>Used to create a text box that spans multiple lines</a:t>
+            </a:r>
+          </a:p>
+          <a:p>
+            <a:pPr lvl="1"/>
+            <a:r>
+              <a:rPr lang="en-US" sz="3200" dirty="0" smtClean="0"/>
+              <a:t>Button &lt;button&gt;&lt;/button&gt;</a:t>
+            </a:r>
+          </a:p>
+          <a:p>
+            <a:pPr lvl="2"/>
+            <a:r>
+              <a:rPr lang="en-US" sz="2800" dirty="0" smtClean="0"/>
+              <a:t>A valid tag, but not the preferred method of creating buttons any more</a:t>
+            </a:r>
+          </a:p>
+          <a:p>
+            <a:pPr lvl="2"/>
+            <a:r>
+              <a:rPr lang="en-US" sz="2800" dirty="0" smtClean="0"/>
+              <a:t>For a more detailed explanation of the difference between button and input type=button please see </a:t>
+            </a:r>
+          </a:p>
+          <a:p>
+            <a:pPr lvl="3"/>
+            <a:r>
+              <a:rPr lang="en-US" sz="2800" dirty="0" smtClean="0">
+                <a:hlinkClick r:id="rId2"/>
+              </a:rPr>
+              <a:t>http://web.archive.org/web/20110721191046/</a:t>
+            </a:r>
+          </a:p>
+          <a:p>
+            <a:pPr lvl="3"/>
+            <a:r>
+              <a:rPr lang="en-US" sz="2800" dirty="0" smtClean="0">
+                <a:hlinkClick r:id="rId2"/>
+              </a:rPr>
+              <a:t>http://particletree.com/features/rediscovering-the-button-element/</a:t>
+            </a:r>
+            <a:endParaRPr lang="en-US" sz="2800" dirty="0" smtClean="0"/>
+          </a:p>
+          <a:p>
+            <a:endParaRPr lang="en-US" dirty="0"/>
+          </a:p>
+        </p:txBody>
+      </p:sp>
+    </p:spTree>
+    <p:extLst>
+      <p:ext uri="{BB962C8B-B14F-4D97-AF65-F5344CB8AC3E}">
+        <p14:creationId xmlns:p14="http://schemas.microsoft.com/office/powerpoint/2010/main" val="3566816489"/>
       </p:ext>
     </p:extLst>
   </p:cSld>

--- a/Class 3/Introduction to Web Development_Lesson3.pptx
+++ b/Class 3/Introduction to Web Development_Lesson3.pptx
@@ -7,8 +7,14 @@
   <p:sldIdLst>
     <p:sldId id="256" r:id="rId2"/>
     <p:sldId id="257" r:id="rId3"/>
-    <p:sldId id="258" r:id="rId4"/>
-    <p:sldId id="259" r:id="rId5"/>
+    <p:sldId id="261" r:id="rId4"/>
+    <p:sldId id="265" r:id="rId5"/>
+    <p:sldId id="266" r:id="rId6"/>
+    <p:sldId id="258" r:id="rId7"/>
+    <p:sldId id="263" r:id="rId8"/>
+    <p:sldId id="259" r:id="rId9"/>
+    <p:sldId id="262" r:id="rId10"/>
+    <p:sldId id="264" r:id="rId11"/>
   </p:sldIdLst>
   <p:sldSz cx="12192000" cy="6858000"/>
   <p:notesSz cx="6858000" cy="9144000"/>
@@ -107,6 +113,11 @@
       </a:defRPr>
     </a:lvl9pPr>
   </p:defaultTextStyle>
+  <p:extLst>
+    <p:ext uri="{EFAFB233-063F-42B5-8137-9DF3F51BA10A}">
+      <p15:sldGuideLst xmlns:p15="http://schemas.microsoft.com/office/powerpoint/2012/main"/>
+    </p:ext>
+  </p:extLst>
 </p:presentation>
 </file>
 
@@ -336,7 +347,7 @@
           <a:p>
             <a:fld id="{4BDF68E2-58F2-4D09-BE8B-E3BD06533059}" type="datetimeFigureOut">
               <a:rPr lang="en-US" dirty="0"/>
-              <a:t>11/18/2014</a:t>
+              <a:t>1/28/2015</a:t>
             </a:fld>
             <a:endParaRPr lang="en-US" dirty="0"/>
           </a:p>
@@ -539,7 +550,7 @@
           <a:p>
             <a:fld id="{2E2D6473-DF6D-4702-B328-E0DD40540A4E}" type="datetimeFigureOut">
               <a:rPr lang="en-US" dirty="0"/>
-              <a:t>11/18/2014</a:t>
+              <a:t>1/28/2015</a:t>
             </a:fld>
             <a:endParaRPr lang="en-US" dirty="0"/>
           </a:p>
@@ -790,7 +801,7 @@
           <a:p>
             <a:fld id="{E26F7E3A-B166-407D-9866-32884E7D5B37}" type="datetimeFigureOut">
               <a:rPr lang="en-US" dirty="0"/>
-              <a:t>11/18/2014</a:t>
+              <a:t>1/28/2015</a:t>
             </a:fld>
             <a:endParaRPr lang="en-US" dirty="0"/>
           </a:p>
@@ -959,7 +970,7 @@
           <a:p>
             <a:fld id="{528FC5F6-F338-4AE4-BB23-26385BCFC423}" type="datetimeFigureOut">
               <a:rPr lang="en-US" dirty="0"/>
-              <a:t>11/18/2014</a:t>
+              <a:t>1/28/2015</a:t>
             </a:fld>
             <a:endParaRPr lang="en-US" dirty="0"/>
           </a:p>
@@ -1297,7 +1308,7 @@
           <a:p>
             <a:fld id="{20EBB0C4-6273-4C6E-B9BD-2EDC30F1CD52}" type="datetimeFigureOut">
               <a:rPr lang="en-US" dirty="0"/>
-              <a:t>11/18/2014</a:t>
+              <a:t>1/28/2015</a:t>
             </a:fld>
             <a:endParaRPr lang="en-US" dirty="0"/>
           </a:p>
@@ -1567,7 +1578,7 @@
           <a:p>
             <a:fld id="{19AB4D41-86C1-4908-B66A-0B50CEB3BF29}" type="datetimeFigureOut">
               <a:rPr lang="en-US" dirty="0"/>
-              <a:t>11/18/2014</a:t>
+              <a:t>1/28/2015</a:t>
             </a:fld>
             <a:endParaRPr lang="en-US" dirty="0"/>
           </a:p>
@@ -1941,7 +1952,7 @@
           <a:p>
             <a:fld id="{E6426E2C-56C1-4E0D-A793-0088A7FDD37E}" type="datetimeFigureOut">
               <a:rPr lang="en-US" dirty="0"/>
-              <a:t>11/18/2014</a:t>
+              <a:t>1/28/2015</a:t>
             </a:fld>
             <a:endParaRPr lang="en-US" dirty="0"/>
           </a:p>
@@ -2054,7 +2065,7 @@
           <a:p>
             <a:fld id="{C8C39B41-D8B5-4052-B551-9B5525EAA8B6}" type="datetimeFigureOut">
               <a:rPr lang="en-US" dirty="0"/>
-              <a:t>11/18/2014</a:t>
+              <a:t>1/28/2015</a:t>
             </a:fld>
             <a:endParaRPr lang="en-US" dirty="0"/>
           </a:p>
@@ -2220,7 +2231,7 @@
           <a:p>
             <a:fld id="{4D94136C-8742-45B2-AF27-D93DF72833A9}" type="datetimeFigureOut">
               <a:rPr lang="en-US" dirty="0"/>
-              <a:t>11/18/2014</a:t>
+              <a:t>1/28/2015</a:t>
             </a:fld>
             <a:endParaRPr lang="en-US" dirty="0"/>
           </a:p>
@@ -2570,7 +2581,7 @@
           <a:p>
             <a:fld id="{32ABBEA6-7C60-4B02-AE87-00D78D8422AF}" type="datetimeFigureOut">
               <a:rPr lang="en-US" dirty="0"/>
-              <a:t>11/18/2014</a:t>
+              <a:t>1/28/2015</a:t>
             </a:fld>
             <a:endParaRPr lang="en-US" dirty="0"/>
           </a:p>
@@ -2948,7 +2959,7 @@
           <a:p>
             <a:fld id="{C9CAD897-D46E-4AD2-BD9B-49DD3E640873}" type="datetimeFigureOut">
               <a:rPr lang="en-US" dirty="0"/>
-              <a:t>11/18/2014</a:t>
+              <a:t>1/28/2015</a:t>
             </a:fld>
             <a:endParaRPr lang="en-US" dirty="0"/>
           </a:p>
@@ -3230,7 +3241,7 @@
           <a:p>
             <a:fld id="{98624D31-43A5-475A-80CF-332C9F6DCF35}" type="datetimeFigureOut">
               <a:rPr lang="en-US" dirty="0"/>
-              <a:t>11/18/2014</a:t>
+              <a:t>1/28/2015</a:t>
             </a:fld>
             <a:endParaRPr lang="en-US" dirty="0"/>
           </a:p>
@@ -3825,6 +3836,78 @@
 </p:sld>
 </file>
 
+<file path=ppt/slides/slide10.xml><?xml version="1.0" encoding="utf-8"?>
+<p:sld xmlns:a="http://schemas.openxmlformats.org/drawingml/2006/main" xmlns:r="http://schemas.openxmlformats.org/officeDocument/2006/relationships" xmlns:p="http://schemas.openxmlformats.org/presentationml/2006/main">
+  <p:cSld>
+    <p:spTree>
+      <p:nvGrpSpPr>
+        <p:cNvPr id="1" name=""/>
+        <p:cNvGrpSpPr/>
+        <p:nvPr/>
+      </p:nvGrpSpPr>
+      <p:grpSpPr>
+        <a:xfrm>
+          <a:off x="0" y="0"/>
+          <a:ext cx="0" cy="0"/>
+          <a:chOff x="0" y="0"/>
+          <a:chExt cx="0" cy="0"/>
+        </a:xfrm>
+      </p:grpSpPr>
+      <p:sp>
+        <p:nvSpPr>
+          <p:cNvPr id="2" name="Title 1"/>
+          <p:cNvSpPr>
+            <a:spLocks noGrp="1"/>
+          </p:cNvSpPr>
+          <p:nvPr>
+            <p:ph type="title"/>
+          </p:nvPr>
+        </p:nvSpPr>
+        <p:spPr/>
+        <p:txBody>
+          <a:bodyPr/>
+          <a:lstStyle/>
+          <a:p>
+            <a:r>
+              <a:rPr lang="en-US" dirty="0" smtClean="0"/>
+              <a:t>Example of Capturing Form Data	</a:t>
+            </a:r>
+            <a:endParaRPr lang="en-US" dirty="0"/>
+          </a:p>
+        </p:txBody>
+      </p:sp>
+      <p:sp>
+        <p:nvSpPr>
+          <p:cNvPr id="3" name="Content Placeholder 2"/>
+          <p:cNvSpPr>
+            <a:spLocks noGrp="1"/>
+          </p:cNvSpPr>
+          <p:nvPr>
+            <p:ph idx="1"/>
+          </p:nvPr>
+        </p:nvSpPr>
+        <p:spPr/>
+        <p:txBody>
+          <a:bodyPr/>
+          <a:lstStyle/>
+          <a:p>
+            <a:endParaRPr lang="en-US" dirty="0"/>
+          </a:p>
+        </p:txBody>
+      </p:sp>
+    </p:spTree>
+    <p:extLst>
+      <p:ext uri="{BB962C8B-B14F-4D97-AF65-F5344CB8AC3E}">
+        <p14:creationId xmlns:p14="http://schemas.microsoft.com/office/powerpoint/2010/main" val="2430874235"/>
+      </p:ext>
+    </p:extLst>
+  </p:cSld>
+  <p:clrMapOvr>
+    <a:masterClrMapping/>
+  </p:clrMapOvr>
+</p:sld>
+</file>
+
 <file path=ppt/slides/slide2.xml><?xml version="1.0" encoding="utf-8"?>
 <p:sld xmlns:a="http://schemas.openxmlformats.org/drawingml/2006/main" xmlns:r="http://schemas.openxmlformats.org/officeDocument/2006/relationships" xmlns:p="http://schemas.openxmlformats.org/presentationml/2006/main">
   <p:cSld>
@@ -3878,7 +3961,7 @@
         <p:spPr/>
         <p:txBody>
           <a:bodyPr>
-            <a:normAutofit fontScale="92500" lnSpcReduction="20000"/>
+            <a:normAutofit fontScale="92500" lnSpcReduction="10000"/>
           </a:bodyPr>
           <a:lstStyle/>
           <a:p>
@@ -3890,158 +3973,198 @@
           <a:p>
             <a:pPr lvl="1"/>
             <a:r>
-              <a:rPr lang="en-US" sz="2200" dirty="0"/>
-              <a:t>Anchor &lt;a&gt;&lt;/a&gt;</a:t>
-            </a:r>
+              <a:rPr lang="en-US" sz="2800" dirty="0"/>
+              <a:t>Anchor &lt;a&gt;&lt;/a</a:t>
+            </a:r>
+            <a:r>
+              <a:rPr lang="en-US" sz="2800" dirty="0" smtClean="0"/>
+              <a:t>&gt; - Are used to create clickable links to other pages, pictures, videos, etc.</a:t>
+            </a:r>
+            <a:endParaRPr lang="en-US" sz="2800" dirty="0"/>
           </a:p>
           <a:p>
             <a:pPr lvl="2"/>
             <a:r>
-              <a:rPr lang="en-US" sz="1700" dirty="0"/>
-              <a:t>Target=“_blank”</a:t>
-            </a:r>
+              <a:rPr lang="en-US" sz="2000" dirty="0"/>
+              <a:t>Target=“_blank</a:t>
+            </a:r>
+            <a:r>
+              <a:rPr lang="en-US" sz="2000" dirty="0" smtClean="0"/>
+              <a:t>” - </a:t>
+            </a:r>
+            <a:r>
+              <a:rPr lang="en-US" sz="2000" dirty="0"/>
+              <a:t>Specifies where to open the linked </a:t>
+            </a:r>
+            <a:r>
+              <a:rPr lang="en-US" sz="2000" dirty="0" smtClean="0"/>
+              <a:t>document.</a:t>
+            </a:r>
+            <a:endParaRPr lang="en-US" sz="2000" dirty="0"/>
           </a:p>
           <a:p>
             <a:pPr lvl="2"/>
             <a:r>
-              <a:rPr lang="en-US" sz="1700" dirty="0" err="1"/>
-              <a:t>Href</a:t>
-            </a:r>
-            <a:r>
-              <a:rPr lang="en-US" sz="1700" dirty="0"/>
+              <a:rPr lang="en-US" sz="2000" dirty="0" err="1" smtClean="0"/>
+              <a:t>href</a:t>
+            </a:r>
+            <a:r>
+              <a:rPr lang="en-US" sz="2000" dirty="0" smtClean="0"/>
+              <a:t>=</a:t>
+            </a:r>
+            <a:r>
+              <a:rPr lang="en-US" sz="2000" dirty="0" smtClean="0">
+                <a:hlinkClick r:id="rId2"/>
+              </a:rPr>
+              <a:t>“www.example.pe</a:t>
+            </a:r>
+            <a:r>
+              <a:rPr lang="en-US" sz="2000" dirty="0" smtClean="0"/>
+              <a:t>” -  Specifies </a:t>
+            </a:r>
+            <a:r>
+              <a:rPr lang="en-US" sz="2000" dirty="0"/>
+              <a:t>the URL of the page the link goes </a:t>
+            </a:r>
+            <a:r>
+              <a:rPr lang="en-US" sz="2000" dirty="0" smtClean="0"/>
+              <a:t>to.</a:t>
+            </a:r>
+          </a:p>
+          <a:p>
+            <a:pPr lvl="2"/>
+            <a:r>
+              <a:rPr lang="en-US" sz="2000" dirty="0" err="1" smtClean="0"/>
+              <a:t>rel</a:t>
+            </a:r>
+            <a:r>
+              <a:rPr lang="en-US" sz="2000" dirty="0" smtClean="0"/>
+              <a:t>=“bookmark” - </a:t>
+            </a:r>
+            <a:r>
+              <a:rPr lang="en-US" sz="2000" dirty="0"/>
+              <a:t>Specifies the relationship between the current document and the linked document</a:t>
+            </a:r>
+          </a:p>
+          <a:p>
+            <a:pPr lvl="1"/>
+            <a:r>
+              <a:rPr lang="en-US" sz="2800" dirty="0" err="1"/>
+              <a:t>Img</a:t>
+            </a:r>
+            <a:r>
+              <a:rPr lang="en-US" sz="2800" dirty="0"/>
+              <a:t> &lt;</a:t>
+            </a:r>
+            <a:r>
+              <a:rPr lang="en-US" sz="2800" dirty="0" err="1"/>
+              <a:t>img</a:t>
+            </a:r>
+            <a:r>
+              <a:rPr lang="en-US" sz="2800" dirty="0"/>
+              <a:t>&gt;&lt;/</a:t>
+            </a:r>
+            <a:r>
+              <a:rPr lang="en-US" sz="2800" dirty="0" err="1"/>
+              <a:t>img</a:t>
+            </a:r>
+            <a:r>
+              <a:rPr lang="en-US" sz="2800" dirty="0" smtClean="0"/>
+              <a:t>&gt;</a:t>
+            </a:r>
+          </a:p>
+          <a:p>
+            <a:pPr lvl="2"/>
+            <a:r>
+              <a:rPr lang="en-US" sz="2000" dirty="0" err="1"/>
+              <a:t>Src</a:t>
+            </a:r>
+            <a:r>
+              <a:rPr lang="en-US" sz="2000" dirty="0"/>
               <a:t> </a:t>
             </a:r>
             <a:r>
-              <a:rPr lang="en-US" sz="1700" dirty="0" err="1"/>
-              <a:t>href</a:t>
-            </a:r>
-            <a:r>
-              <a:rPr lang="en-US" sz="1700" dirty="0"/>
-              <a:t>=“www.example.pe”</a:t>
+              <a:rPr lang="en-US" sz="2000" dirty="0" err="1"/>
+              <a:t>src</a:t>
+            </a:r>
+            <a:r>
+              <a:rPr lang="en-US" sz="2000" dirty="0"/>
+              <a:t>=“../images/example.png</a:t>
+            </a:r>
+            <a:r>
+              <a:rPr lang="en-US" sz="2000" dirty="0" smtClean="0"/>
+              <a:t>” - </a:t>
+            </a:r>
+            <a:r>
+              <a:rPr lang="en-US" sz="2000" dirty="0"/>
+              <a:t>Specifies the URL of an </a:t>
+            </a:r>
+            <a:r>
+              <a:rPr lang="en-US" sz="2000" dirty="0" smtClean="0"/>
+              <a:t>image</a:t>
             </a:r>
           </a:p>
           <a:p>
             <a:pPr lvl="2"/>
-            <a:endParaRPr lang="en-US" sz="1700" dirty="0"/>
+            <a:r>
+              <a:rPr lang="en-US" sz="2000" dirty="0" smtClean="0"/>
+              <a:t>alt=“example text here” - </a:t>
+            </a:r>
+            <a:r>
+              <a:rPr lang="en-US" sz="2000" dirty="0"/>
+              <a:t>Specifies an alternate text for an </a:t>
+            </a:r>
+            <a:r>
+              <a:rPr lang="en-US" sz="2000" dirty="0" smtClean="0"/>
+              <a:t>image</a:t>
+            </a:r>
+          </a:p>
+          <a:p>
+            <a:pPr lvl="2"/>
+            <a:r>
+              <a:rPr lang="en-US" sz="2000" dirty="0" smtClean="0"/>
+              <a:t>height=“100” - </a:t>
+            </a:r>
+            <a:r>
+              <a:rPr lang="en-US" sz="2000" dirty="0"/>
+              <a:t>Specifies the height of an </a:t>
+            </a:r>
+            <a:r>
+              <a:rPr lang="en-US" sz="2000" dirty="0" smtClean="0"/>
+              <a:t>image in pixels</a:t>
+            </a:r>
+          </a:p>
+          <a:p>
+            <a:pPr lvl="2"/>
+            <a:r>
+              <a:rPr lang="en-US" sz="2000" dirty="0" smtClean="0"/>
+              <a:t>width=“100” - </a:t>
+            </a:r>
+            <a:r>
+              <a:rPr lang="en-US" sz="2000" dirty="0"/>
+              <a:t>Specifies the </a:t>
+            </a:r>
+            <a:r>
+              <a:rPr lang="en-US" sz="2000" dirty="0" smtClean="0"/>
+              <a:t>width of </a:t>
+            </a:r>
+            <a:r>
+              <a:rPr lang="en-US" sz="2000" dirty="0"/>
+              <a:t>an </a:t>
+            </a:r>
+            <a:r>
+              <a:rPr lang="en-US" sz="2000" dirty="0" smtClean="0"/>
+              <a:t>image in pixels</a:t>
+            </a:r>
+            <a:endParaRPr lang="en-US" sz="2000" dirty="0"/>
           </a:p>
           <a:p>
             <a:pPr lvl="1"/>
-            <a:r>
-              <a:rPr lang="en-US" sz="2200" dirty="0" err="1"/>
-              <a:t>Img</a:t>
-            </a:r>
-            <a:r>
-              <a:rPr lang="en-US" sz="2200" dirty="0"/>
-              <a:t> &lt;</a:t>
-            </a:r>
-            <a:r>
-              <a:rPr lang="en-US" sz="2200" dirty="0" err="1"/>
-              <a:t>img</a:t>
-            </a:r>
-            <a:r>
-              <a:rPr lang="en-US" sz="2200" dirty="0"/>
-              <a:t>&gt;&lt;/</a:t>
-            </a:r>
-            <a:r>
-              <a:rPr lang="en-US" sz="2200" dirty="0" err="1"/>
-              <a:t>img</a:t>
-            </a:r>
-            <a:r>
-              <a:rPr lang="en-US" sz="2200" dirty="0"/>
-              <a:t>&gt;</a:t>
-            </a:r>
+            <a:endParaRPr lang="en-US" sz="2200" dirty="0" smtClean="0"/>
           </a:p>
           <a:p>
             <a:pPr lvl="1"/>
-            <a:r>
-              <a:rPr lang="en-US" sz="2200" dirty="0"/>
-              <a:t>Unordered List &lt;</a:t>
-            </a:r>
-            <a:r>
-              <a:rPr lang="en-US" sz="2200" dirty="0" err="1"/>
-              <a:t>ul</a:t>
-            </a:r>
-            <a:r>
-              <a:rPr lang="en-US" sz="2200" dirty="0"/>
-              <a:t>&gt;&lt;/</a:t>
-            </a:r>
-            <a:r>
-              <a:rPr lang="en-US" sz="2200" dirty="0" err="1"/>
-              <a:t>ul</a:t>
-            </a:r>
-            <a:r>
-              <a:rPr lang="en-US" sz="2200" dirty="0"/>
-              <a:t>&gt;</a:t>
-            </a:r>
-          </a:p>
-          <a:p>
-            <a:pPr lvl="1"/>
-            <a:r>
-              <a:rPr lang="en-US" sz="2200" dirty="0"/>
-              <a:t>Ordered List &lt;</a:t>
-            </a:r>
-            <a:r>
-              <a:rPr lang="en-US" sz="2200" dirty="0" err="1"/>
-              <a:t>ol</a:t>
-            </a:r>
-            <a:r>
-              <a:rPr lang="en-US" sz="2200" dirty="0"/>
-              <a:t>&gt;&lt;/</a:t>
-            </a:r>
-            <a:r>
-              <a:rPr lang="en-US" sz="2200" dirty="0" err="1"/>
-              <a:t>ol</a:t>
-            </a:r>
-            <a:r>
-              <a:rPr lang="en-US" sz="2200" dirty="0"/>
-              <a:t>&gt;</a:t>
-            </a:r>
-          </a:p>
-          <a:p>
-            <a:pPr lvl="1"/>
-            <a:r>
-              <a:rPr lang="en-US" sz="2200" dirty="0"/>
-              <a:t>List &lt;li&gt;&lt;/li&gt;</a:t>
-            </a:r>
-          </a:p>
-          <a:p>
-            <a:r>
-              <a:rPr lang="en-US" sz="2600" dirty="0"/>
-              <a:t>New Attributes</a:t>
-            </a:r>
-          </a:p>
-          <a:p>
-            <a:pPr lvl="1"/>
-            <a:r>
-              <a:rPr lang="en-US" sz="2200" dirty="0" err="1"/>
-              <a:t>Src</a:t>
-            </a:r>
-            <a:r>
-              <a:rPr lang="en-US" sz="2200" dirty="0"/>
-              <a:t> </a:t>
-            </a:r>
-            <a:r>
-              <a:rPr lang="en-US" sz="2200" dirty="0" err="1"/>
-              <a:t>src</a:t>
-            </a:r>
-            <a:r>
-              <a:rPr lang="en-US" sz="2200" dirty="0"/>
-              <a:t>=“../images/example.png”</a:t>
-            </a:r>
-          </a:p>
-          <a:p>
-            <a:pPr lvl="1"/>
-            <a:r>
-              <a:rPr lang="en-US" sz="2200" dirty="0"/>
-              <a:t>Width width=“100px”</a:t>
-            </a:r>
-          </a:p>
-          <a:p>
-            <a:pPr lvl="1"/>
-            <a:r>
-              <a:rPr lang="en-US" sz="2200" dirty="0"/>
-              <a:t>Height height=“100px”</a:t>
-            </a:r>
+            <a:endParaRPr lang="en-US" sz="2200" dirty="0"/>
           </a:p>
           <a:p>
             <a:endParaRPr lang="en-US" dirty="0"/>
@@ -4095,8 +4218,13 @@
           <a:p>
             <a:r>
               <a:rPr lang="en-US" dirty="0"/>
-              <a:t>Form Elements</a:t>
-            </a:r>
+              <a:t>Recap of Lesson </a:t>
+            </a:r>
+            <a:r>
+              <a:rPr lang="en-US" dirty="0" smtClean="0"/>
+              <a:t>2</a:t>
+            </a:r>
+            <a:endParaRPr lang="en-US" dirty="0"/>
           </a:p>
         </p:txBody>
       </p:sp>
@@ -4118,97 +4246,106 @@
           <a:lstStyle/>
           <a:p>
             <a:r>
-              <a:rPr lang="en-US" sz="2800" dirty="0"/>
-              <a:t>New Form Elements</a:t>
-            </a:r>
+              <a:rPr lang="en-US" sz="4200" dirty="0"/>
+              <a:t>New Block-Level Elements</a:t>
+            </a:r>
+            <a:endParaRPr lang="en-US" sz="4200" dirty="0" smtClean="0"/>
           </a:p>
           <a:p>
             <a:pPr lvl="1"/>
             <a:r>
+              <a:rPr lang="en-US" sz="3600" dirty="0" smtClean="0"/>
+              <a:t>Unordered </a:t>
+            </a:r>
+            <a:r>
+              <a:rPr lang="en-US" sz="3600" dirty="0"/>
+              <a:t>List &lt;</a:t>
+            </a:r>
+            <a:r>
+              <a:rPr lang="en-US" sz="3600" dirty="0" err="1"/>
+              <a:t>ul</a:t>
+            </a:r>
+            <a:r>
+              <a:rPr lang="en-US" sz="3600" dirty="0"/>
+              <a:t>&gt;&lt;/</a:t>
+            </a:r>
+            <a:r>
+              <a:rPr lang="en-US" sz="3600" dirty="0" err="1"/>
+              <a:t>ul</a:t>
+            </a:r>
+            <a:r>
+              <a:rPr lang="en-US" sz="3600" dirty="0" smtClean="0"/>
+              <a:t>&gt; - an unordered html list</a:t>
+            </a:r>
+            <a:endParaRPr lang="en-US" sz="3600" dirty="0"/>
+          </a:p>
+          <a:p>
+            <a:pPr lvl="1"/>
+            <a:r>
+              <a:rPr lang="en-US" sz="3600" dirty="0"/>
+              <a:t>Ordered List &lt;</a:t>
+            </a:r>
+            <a:r>
+              <a:rPr lang="en-US" sz="3600" dirty="0" err="1"/>
+              <a:t>ol</a:t>
+            </a:r>
+            <a:r>
+              <a:rPr lang="en-US" sz="3600" dirty="0"/>
+              <a:t>&gt;&lt;/</a:t>
+            </a:r>
+            <a:r>
+              <a:rPr lang="en-US" sz="3600" dirty="0" err="1"/>
+              <a:t>ol</a:t>
+            </a:r>
+            <a:r>
+              <a:rPr lang="en-US" sz="3600" dirty="0" smtClean="0"/>
+              <a:t>&gt; - an ordered html list</a:t>
+            </a:r>
+            <a:endParaRPr lang="en-US" sz="3600" dirty="0"/>
+          </a:p>
+          <a:p>
+            <a:pPr lvl="1"/>
+            <a:r>
+              <a:rPr lang="en-US" sz="3600" dirty="0"/>
+              <a:t>List &lt;li&gt;&lt;/li</a:t>
+            </a:r>
+            <a:r>
+              <a:rPr lang="en-US" sz="3600" dirty="0" smtClean="0"/>
+              <a:t>&gt; - used in &lt;</a:t>
+            </a:r>
+            <a:r>
+              <a:rPr lang="en-US" sz="3600" dirty="0" err="1" smtClean="0"/>
+              <a:t>ol</a:t>
+            </a:r>
+            <a:r>
+              <a:rPr lang="en-US" sz="3600" dirty="0" smtClean="0"/>
+              <a:t>&gt; and &lt;</a:t>
+            </a:r>
+            <a:r>
+              <a:rPr lang="en-US" sz="3600" dirty="0" err="1" smtClean="0"/>
+              <a:t>ul</a:t>
+            </a:r>
+            <a:r>
+              <a:rPr lang="en-US" sz="3600" dirty="0" smtClean="0"/>
+              <a:t>&gt; to denote a list item</a:t>
+            </a:r>
+          </a:p>
+          <a:p>
+            <a:pPr lvl="2"/>
+            <a:r>
               <a:rPr lang="en-US" sz="2400" dirty="0"/>
-              <a:t>Input &lt;input&gt;&lt;/input</a:t>
-            </a:r>
-            <a:r>
-              <a:rPr lang="en-US" sz="2400" dirty="0" smtClean="0"/>
-              <a:t>&gt;</a:t>
-            </a:r>
-          </a:p>
-          <a:p>
-            <a:pPr lvl="2"/>
-            <a:r>
-              <a:rPr lang="en-US" sz="2000" dirty="0" smtClean="0"/>
-              <a:t>Type attribute can specify many different form elements.</a:t>
-            </a:r>
-          </a:p>
-          <a:p>
-            <a:pPr lvl="2"/>
-            <a:r>
-              <a:rPr lang="en-US" sz="2000" dirty="0" smtClean="0"/>
-              <a:t>type=“”</a:t>
-            </a:r>
-          </a:p>
-          <a:p>
-            <a:pPr lvl="3"/>
-            <a:r>
-              <a:rPr lang="en-US" sz="2000" dirty="0" smtClean="0"/>
-              <a:t>Button, checkbox, color, date , </a:t>
-            </a:r>
-            <a:r>
-              <a:rPr lang="en-US" sz="2000" dirty="0" err="1" smtClean="0"/>
-              <a:t>datetime</a:t>
-            </a:r>
-            <a:r>
-              <a:rPr lang="en-US" sz="2000" dirty="0" smtClean="0"/>
-              <a:t> , </a:t>
-            </a:r>
-            <a:r>
-              <a:rPr lang="en-US" sz="2000" dirty="0" err="1" smtClean="0"/>
-              <a:t>datetime</a:t>
-            </a:r>
-            <a:r>
-              <a:rPr lang="en-US" sz="2000" dirty="0" smtClean="0"/>
-              <a:t>-local, email, file, hidden, image, month, number, password, radio, range, reset, search, submit, </a:t>
-            </a:r>
-            <a:r>
-              <a:rPr lang="en-US" sz="2000" dirty="0" err="1" smtClean="0"/>
-              <a:t>tel</a:t>
-            </a:r>
-            <a:r>
-              <a:rPr lang="en-US" sz="2000" dirty="0" smtClean="0"/>
-              <a:t>, text, time, </a:t>
-            </a:r>
-            <a:r>
-              <a:rPr lang="en-US" sz="2000" dirty="0" err="1" smtClean="0"/>
-              <a:t>url</a:t>
-            </a:r>
-            <a:r>
-              <a:rPr lang="en-US" sz="2000" dirty="0" smtClean="0"/>
-              <a:t>, week </a:t>
-            </a:r>
-          </a:p>
-          <a:p>
-            <a:pPr lvl="2"/>
-            <a:r>
-              <a:rPr lang="en-US" sz="2000" dirty="0" smtClean="0"/>
-              <a:t>Other useful attributes</a:t>
-            </a:r>
-          </a:p>
-          <a:p>
-            <a:pPr lvl="3"/>
-            <a:r>
-              <a:rPr lang="en-US" sz="2000" dirty="0" smtClean="0"/>
-              <a:t>Placeholder – a short string that describes purpose of element</a:t>
-            </a:r>
-          </a:p>
-          <a:p>
-            <a:pPr lvl="3"/>
-            <a:r>
-              <a:rPr lang="en-US" sz="2000" dirty="0" smtClean="0"/>
-              <a:t>Min/Max – used for numbers and dates</a:t>
-            </a:r>
-          </a:p>
-          <a:p>
-            <a:pPr lvl="3"/>
+              <a:t>Specifies the value of a list item. The following list items will increment from that number (only for &lt;</a:t>
+            </a:r>
+            <a:r>
+              <a:rPr lang="en-US" sz="2400" dirty="0" err="1"/>
+              <a:t>ol</a:t>
+            </a:r>
+            <a:r>
+              <a:rPr lang="en-US" sz="2400" dirty="0"/>
+              <a:t>&gt; lists)</a:t>
+            </a:r>
+          </a:p>
+          <a:p>
             <a:endParaRPr lang="en-US" dirty="0"/>
           </a:p>
         </p:txBody>
@@ -4216,7 +4353,7 @@
     </p:spTree>
     <p:extLst>
       <p:ext uri="{BB962C8B-B14F-4D97-AF65-F5344CB8AC3E}">
-        <p14:creationId xmlns:p14="http://schemas.microsoft.com/office/powerpoint/2010/main" val="473117607"/>
+        <p14:creationId xmlns:p14="http://schemas.microsoft.com/office/powerpoint/2010/main" val="3021405337"/>
       </p:ext>
     </p:extLst>
   </p:cSld>
@@ -4259,6 +4396,684 @@
           <a:lstStyle/>
           <a:p>
             <a:r>
+              <a:rPr lang="en-US" dirty="0"/>
+              <a:t>Recap of Lesson 2</a:t>
+            </a:r>
+          </a:p>
+        </p:txBody>
+      </p:sp>
+      <p:sp>
+        <p:nvSpPr>
+          <p:cNvPr id="3" name="Content Placeholder 2"/>
+          <p:cNvSpPr>
+            <a:spLocks noGrp="1"/>
+          </p:cNvSpPr>
+          <p:nvPr>
+            <p:ph idx="1"/>
+          </p:nvPr>
+        </p:nvSpPr>
+        <p:spPr/>
+        <p:txBody>
+          <a:bodyPr/>
+          <a:lstStyle/>
+          <a:p>
+            <a:r>
+              <a:rPr lang="en-US" dirty="0"/>
+              <a:t>Block quotes &lt;</a:t>
+            </a:r>
+            <a:r>
+              <a:rPr lang="en-US" dirty="0" err="1"/>
+              <a:t>blockquote</a:t>
+            </a:r>
+            <a:r>
+              <a:rPr lang="en-US" dirty="0"/>
+              <a:t>&gt;&lt;/</a:t>
+            </a:r>
+            <a:r>
+              <a:rPr lang="en-US" dirty="0" err="1"/>
+              <a:t>blockquote</a:t>
+            </a:r>
+            <a:r>
+              <a:rPr lang="en-US" dirty="0"/>
+              <a:t>&gt; - Defines a section that is quoted from another source.</a:t>
+            </a:r>
+          </a:p>
+          <a:p>
+            <a:r>
+              <a:rPr lang="en-US" dirty="0"/>
+              <a:t>Cite &lt;cite&gt;&lt;/cite&gt; - Defines the title of a work.</a:t>
+            </a:r>
+          </a:p>
+          <a:p>
+            <a:r>
+              <a:rPr lang="en-US" dirty="0"/>
+              <a:t>Abbreviation &lt;</a:t>
+            </a:r>
+            <a:r>
+              <a:rPr lang="en-US" dirty="0" err="1"/>
+              <a:t>abbr</a:t>
+            </a:r>
+            <a:r>
+              <a:rPr lang="en-US" dirty="0"/>
+              <a:t>&gt;&lt;/</a:t>
+            </a:r>
+            <a:r>
+              <a:rPr lang="en-US" dirty="0" err="1"/>
+              <a:t>abbr</a:t>
+            </a:r>
+            <a:r>
+              <a:rPr lang="en-US" dirty="0"/>
+              <a:t>&gt; - Defines an abbreviation or an acronym.</a:t>
+            </a:r>
+          </a:p>
+          <a:p>
+            <a:r>
+              <a:rPr lang="en-US" dirty="0"/>
+              <a:t>Code &lt;code&gt;&lt;/code&gt; - Defines a piece of computer code.</a:t>
+            </a:r>
+          </a:p>
+          <a:p>
+            <a:r>
+              <a:rPr lang="en-US" dirty="0" err="1"/>
+              <a:t>Fieldset</a:t>
+            </a:r>
+            <a:r>
+              <a:rPr lang="en-US" dirty="0"/>
+              <a:t> &lt;</a:t>
+            </a:r>
+            <a:r>
+              <a:rPr lang="en-US" dirty="0" err="1"/>
+              <a:t>fieldset</a:t>
+            </a:r>
+            <a:r>
+              <a:rPr lang="en-US" dirty="0"/>
+              <a:t>&gt;&lt;/</a:t>
+            </a:r>
+            <a:r>
+              <a:rPr lang="en-US" dirty="0" err="1"/>
+              <a:t>fieldset</a:t>
+            </a:r>
+            <a:r>
+              <a:rPr lang="en-US" dirty="0"/>
+              <a:t>&gt; - Groups related elements in a form.</a:t>
+            </a:r>
+          </a:p>
+          <a:p>
+            <a:r>
+              <a:rPr lang="en-US" dirty="0"/>
+              <a:t>Iframe &lt;iframe /&gt; - Defines an inline frame.</a:t>
+            </a:r>
+          </a:p>
+          <a:p>
+            <a:r>
+              <a:rPr lang="en-US" dirty="0"/>
+              <a:t>Label &lt;label&gt;&lt;/label&gt; - Defines a label for an &lt;input&gt; element</a:t>
+            </a:r>
+          </a:p>
+          <a:p>
+            <a:r>
+              <a:rPr lang="en-US" dirty="0"/>
+              <a:t>Etc… See </a:t>
+            </a:r>
+            <a:r>
+              <a:rPr lang="en-US" dirty="0">
+                <a:hlinkClick r:id="rId2"/>
+              </a:rPr>
+              <a:t>www.w3schools.com/tags/default.asp</a:t>
+            </a:r>
+            <a:endParaRPr lang="en-US" dirty="0"/>
+          </a:p>
+          <a:p>
+            <a:endParaRPr lang="en-US" dirty="0"/>
+          </a:p>
+        </p:txBody>
+      </p:sp>
+    </p:spTree>
+    <p:extLst>
+      <p:ext uri="{BB962C8B-B14F-4D97-AF65-F5344CB8AC3E}">
+        <p14:creationId xmlns:p14="http://schemas.microsoft.com/office/powerpoint/2010/main" val="175148799"/>
+      </p:ext>
+    </p:extLst>
+  </p:cSld>
+  <p:clrMapOvr>
+    <a:masterClrMapping/>
+  </p:clrMapOvr>
+</p:sld>
+</file>
+
+<file path=ppt/slides/slide5.xml><?xml version="1.0" encoding="utf-8"?>
+<p:sld xmlns:a="http://schemas.openxmlformats.org/drawingml/2006/main" xmlns:r="http://schemas.openxmlformats.org/officeDocument/2006/relationships" xmlns:p="http://schemas.openxmlformats.org/presentationml/2006/main">
+  <p:cSld>
+    <p:spTree>
+      <p:nvGrpSpPr>
+        <p:cNvPr id="1" name=""/>
+        <p:cNvGrpSpPr/>
+        <p:nvPr/>
+      </p:nvGrpSpPr>
+      <p:grpSpPr>
+        <a:xfrm>
+          <a:off x="0" y="0"/>
+          <a:ext cx="0" cy="0"/>
+          <a:chOff x="0" y="0"/>
+          <a:chExt cx="0" cy="0"/>
+        </a:xfrm>
+      </p:grpSpPr>
+      <p:sp>
+        <p:nvSpPr>
+          <p:cNvPr id="2" name="Title 1"/>
+          <p:cNvSpPr>
+            <a:spLocks noGrp="1"/>
+          </p:cNvSpPr>
+          <p:nvPr>
+            <p:ph type="title"/>
+          </p:nvPr>
+        </p:nvSpPr>
+        <p:spPr/>
+        <p:txBody>
+          <a:bodyPr/>
+          <a:lstStyle/>
+          <a:p>
+            <a:r>
+              <a:rPr lang="en-US" dirty="0" smtClean="0"/>
+              <a:t>Recap of Lesson 2</a:t>
+            </a:r>
+            <a:endParaRPr lang="en-US" dirty="0"/>
+          </a:p>
+        </p:txBody>
+      </p:sp>
+      <p:sp>
+        <p:nvSpPr>
+          <p:cNvPr id="3" name="Content Placeholder 2"/>
+          <p:cNvSpPr>
+            <a:spLocks noGrp="1"/>
+          </p:cNvSpPr>
+          <p:nvPr>
+            <p:ph idx="1"/>
+          </p:nvPr>
+        </p:nvSpPr>
+        <p:spPr/>
+        <p:txBody>
+          <a:bodyPr>
+            <a:normAutofit/>
+          </a:bodyPr>
+          <a:lstStyle/>
+          <a:p>
+            <a:r>
+              <a:rPr lang="en-US" sz="4000" dirty="0" err="1" smtClean="0"/>
+              <a:t>FavIcons</a:t>
+            </a:r>
+            <a:r>
+              <a:rPr lang="en-US" sz="4000" dirty="0" smtClean="0"/>
+              <a:t> and </a:t>
+            </a:r>
+            <a:r>
+              <a:rPr lang="en-US" sz="4000" dirty="0" err="1" smtClean="0"/>
+              <a:t>Metatags</a:t>
+            </a:r>
+            <a:endParaRPr lang="en-US" sz="4000" dirty="0" smtClean="0"/>
+          </a:p>
+          <a:p>
+            <a:r>
+              <a:rPr lang="en-US" dirty="0"/>
+              <a:t>Favorite Icons are used to display an image on your web browsers tab, and in your favorites menu.</a:t>
+            </a:r>
+          </a:p>
+          <a:p>
+            <a:r>
+              <a:rPr lang="en-US" dirty="0"/>
+              <a:t>Favicon generator - </a:t>
+            </a:r>
+            <a:r>
+              <a:rPr lang="en-US" dirty="0">
+                <a:hlinkClick r:id="rId2"/>
+              </a:rPr>
+              <a:t>http://favicon-generator.org/</a:t>
+            </a:r>
+            <a:endParaRPr lang="en-US" dirty="0"/>
+          </a:p>
+          <a:p>
+            <a:r>
+              <a:rPr lang="en-US" dirty="0" err="1"/>
+              <a:t>Metatags</a:t>
+            </a:r>
+            <a:r>
+              <a:rPr lang="en-US" dirty="0"/>
+              <a:t> provide information about your webpage that doesn’t get rendered, or that isn’t visible on the page.</a:t>
+            </a:r>
+          </a:p>
+          <a:p>
+            <a:r>
+              <a:rPr lang="en-US" dirty="0" err="1"/>
+              <a:t>Metatag</a:t>
+            </a:r>
+            <a:r>
+              <a:rPr lang="en-US" dirty="0"/>
+              <a:t> generator - </a:t>
+            </a:r>
+            <a:r>
+              <a:rPr lang="en-US" dirty="0">
+                <a:hlinkClick r:id="rId3"/>
+              </a:rPr>
+              <a:t>http://www.submitexpress.com/meta-tags-generator.html</a:t>
+            </a:r>
+            <a:r>
+              <a:rPr lang="en-US" dirty="0"/>
+              <a:t> </a:t>
+            </a:r>
+          </a:p>
+          <a:p>
+            <a:r>
+              <a:rPr lang="en-US" dirty="0"/>
+              <a:t>There are many other sites that perform these functions for you.  </a:t>
+            </a:r>
+            <a:r>
+              <a:rPr lang="en-US"/>
+              <a:t>These are just</a:t>
+            </a:r>
+            <a:endParaRPr lang="en-US" dirty="0"/>
+          </a:p>
+        </p:txBody>
+      </p:sp>
+    </p:spTree>
+    <p:extLst>
+      <p:ext uri="{BB962C8B-B14F-4D97-AF65-F5344CB8AC3E}">
+        <p14:creationId xmlns:p14="http://schemas.microsoft.com/office/powerpoint/2010/main" val="1809305596"/>
+      </p:ext>
+    </p:extLst>
+  </p:cSld>
+  <p:clrMapOvr>
+    <a:masterClrMapping/>
+  </p:clrMapOvr>
+</p:sld>
+</file>
+
+<file path=ppt/slides/slide6.xml><?xml version="1.0" encoding="utf-8"?>
+<p:sld xmlns:a="http://schemas.openxmlformats.org/drawingml/2006/main" xmlns:r="http://schemas.openxmlformats.org/officeDocument/2006/relationships" xmlns:p="http://schemas.openxmlformats.org/presentationml/2006/main">
+  <p:cSld>
+    <p:spTree>
+      <p:nvGrpSpPr>
+        <p:cNvPr id="1" name=""/>
+        <p:cNvGrpSpPr/>
+        <p:nvPr/>
+      </p:nvGrpSpPr>
+      <p:grpSpPr>
+        <a:xfrm>
+          <a:off x="0" y="0"/>
+          <a:ext cx="0" cy="0"/>
+          <a:chOff x="0" y="0"/>
+          <a:chExt cx="0" cy="0"/>
+        </a:xfrm>
+      </p:grpSpPr>
+      <p:sp>
+        <p:nvSpPr>
+          <p:cNvPr id="2" name="Title 1"/>
+          <p:cNvSpPr>
+            <a:spLocks noGrp="1"/>
+          </p:cNvSpPr>
+          <p:nvPr>
+            <p:ph type="title"/>
+          </p:nvPr>
+        </p:nvSpPr>
+        <p:spPr/>
+        <p:txBody>
+          <a:bodyPr/>
+          <a:lstStyle/>
+          <a:p>
+            <a:r>
+              <a:rPr lang="en-US" dirty="0"/>
+              <a:t>Form Elements</a:t>
+            </a:r>
+          </a:p>
+        </p:txBody>
+      </p:sp>
+      <p:sp>
+        <p:nvSpPr>
+          <p:cNvPr id="3" name="Content Placeholder 2"/>
+          <p:cNvSpPr>
+            <a:spLocks noGrp="1"/>
+          </p:cNvSpPr>
+          <p:nvPr>
+            <p:ph idx="1"/>
+          </p:nvPr>
+        </p:nvSpPr>
+        <p:spPr/>
+        <p:txBody>
+          <a:bodyPr>
+            <a:normAutofit lnSpcReduction="10000"/>
+          </a:bodyPr>
+          <a:lstStyle/>
+          <a:p>
+            <a:r>
+              <a:rPr lang="en-US" sz="2800" dirty="0"/>
+              <a:t>New Form Elements</a:t>
+            </a:r>
+          </a:p>
+          <a:p>
+            <a:pPr lvl="1"/>
+            <a:r>
+              <a:rPr lang="en-US" sz="2400" dirty="0"/>
+              <a:t>Input &lt;input&gt;&lt;/input</a:t>
+            </a:r>
+            <a:r>
+              <a:rPr lang="en-US" sz="2400" dirty="0" smtClean="0"/>
+              <a:t>&gt;</a:t>
+            </a:r>
+          </a:p>
+          <a:p>
+            <a:pPr lvl="2"/>
+            <a:r>
+              <a:rPr lang="en-US" sz="2000" dirty="0" smtClean="0"/>
+              <a:t>Type attribute can specify many different form elements.</a:t>
+            </a:r>
+          </a:p>
+          <a:p>
+            <a:pPr lvl="2"/>
+            <a:r>
+              <a:rPr lang="en-US" sz="2000" dirty="0" smtClean="0"/>
+              <a:t>type=“”</a:t>
+            </a:r>
+          </a:p>
+          <a:p>
+            <a:pPr lvl="3"/>
+            <a:r>
+              <a:rPr lang="en-US" sz="2000" dirty="0" smtClean="0"/>
+              <a:t>Button, checkbox, color, date , </a:t>
+            </a:r>
+            <a:r>
+              <a:rPr lang="en-US" sz="2000" dirty="0" err="1" smtClean="0"/>
+              <a:t>datetime</a:t>
+            </a:r>
+            <a:r>
+              <a:rPr lang="en-US" sz="2000" dirty="0" smtClean="0"/>
+              <a:t> , </a:t>
+            </a:r>
+            <a:r>
+              <a:rPr lang="en-US" sz="2000" dirty="0" err="1" smtClean="0"/>
+              <a:t>datetime</a:t>
+            </a:r>
+            <a:r>
+              <a:rPr lang="en-US" sz="2000" dirty="0" smtClean="0"/>
+              <a:t>-local, email, file, hidden, image, month, number, password, radio, range, reset, search, submit, </a:t>
+            </a:r>
+            <a:r>
+              <a:rPr lang="en-US" sz="2000" dirty="0" err="1" smtClean="0"/>
+              <a:t>tel</a:t>
+            </a:r>
+            <a:r>
+              <a:rPr lang="en-US" sz="2000" dirty="0" smtClean="0"/>
+              <a:t>, text, time, </a:t>
+            </a:r>
+            <a:r>
+              <a:rPr lang="en-US" sz="2000" dirty="0" err="1" smtClean="0"/>
+              <a:t>url</a:t>
+            </a:r>
+            <a:r>
+              <a:rPr lang="en-US" sz="2000" dirty="0" smtClean="0"/>
+              <a:t>, week </a:t>
+            </a:r>
+          </a:p>
+          <a:p>
+            <a:pPr lvl="2"/>
+            <a:r>
+              <a:rPr lang="en-US" sz="2000" dirty="0" smtClean="0"/>
+              <a:t>Other useful attributes</a:t>
+            </a:r>
+          </a:p>
+          <a:p>
+            <a:pPr lvl="3"/>
+            <a:r>
+              <a:rPr lang="en-US" sz="2000" dirty="0" smtClean="0"/>
+              <a:t>Placeholder – a short string that describes purpose of element</a:t>
+            </a:r>
+          </a:p>
+          <a:p>
+            <a:pPr lvl="3"/>
+            <a:r>
+              <a:rPr lang="en-US" sz="2000" dirty="0" smtClean="0"/>
+              <a:t>Min/Max – used for numbers and dates</a:t>
+            </a:r>
+          </a:p>
+          <a:p>
+            <a:pPr lvl="3"/>
+            <a:r>
+              <a:rPr lang="en-US" sz="2000" dirty="0" smtClean="0"/>
+              <a:t>Accept - </a:t>
+            </a:r>
+            <a:r>
+              <a:rPr lang="en-US" sz="2000" dirty="0"/>
+              <a:t>Specifies the types of files that the server accepts (only for type="file</a:t>
+            </a:r>
+            <a:r>
+              <a:rPr lang="en-US" sz="2000" dirty="0" smtClean="0"/>
+              <a:t>")</a:t>
+            </a:r>
+          </a:p>
+          <a:p>
+            <a:pPr lvl="3"/>
+            <a:r>
+              <a:rPr lang="en-US" sz="2000" dirty="0" smtClean="0"/>
+              <a:t>Checked - Specifies </a:t>
+            </a:r>
+            <a:r>
+              <a:rPr lang="en-US" sz="2000" dirty="0"/>
+              <a:t>that an &lt;input&gt; element should be pre-selected when the page loads (for type="checkbox" or type="radio")</a:t>
+            </a:r>
+            <a:endParaRPr lang="en-US" sz="2000" dirty="0" smtClean="0"/>
+          </a:p>
+          <a:p>
+            <a:pPr lvl="3"/>
+            <a:endParaRPr lang="en-US" dirty="0"/>
+          </a:p>
+        </p:txBody>
+      </p:sp>
+    </p:spTree>
+    <p:extLst>
+      <p:ext uri="{BB962C8B-B14F-4D97-AF65-F5344CB8AC3E}">
+        <p14:creationId xmlns:p14="http://schemas.microsoft.com/office/powerpoint/2010/main" val="473117607"/>
+      </p:ext>
+    </p:extLst>
+  </p:cSld>
+  <p:clrMapOvr>
+    <a:masterClrMapping/>
+  </p:clrMapOvr>
+</p:sld>
+</file>
+
+<file path=ppt/slides/slide7.xml><?xml version="1.0" encoding="utf-8"?>
+<p:sld xmlns:a="http://schemas.openxmlformats.org/drawingml/2006/main" xmlns:r="http://schemas.openxmlformats.org/officeDocument/2006/relationships" xmlns:p="http://schemas.openxmlformats.org/presentationml/2006/main">
+  <p:cSld>
+    <p:spTree>
+      <p:nvGrpSpPr>
+        <p:cNvPr id="1" name=""/>
+        <p:cNvGrpSpPr/>
+        <p:nvPr/>
+      </p:nvGrpSpPr>
+      <p:grpSpPr>
+        <a:xfrm>
+          <a:off x="0" y="0"/>
+          <a:ext cx="0" cy="0"/>
+          <a:chOff x="0" y="0"/>
+          <a:chExt cx="0" cy="0"/>
+        </a:xfrm>
+      </p:grpSpPr>
+      <p:sp>
+        <p:nvSpPr>
+          <p:cNvPr id="4" name="Title 3"/>
+          <p:cNvSpPr>
+            <a:spLocks noGrp="1"/>
+          </p:cNvSpPr>
+          <p:nvPr>
+            <p:ph type="title"/>
+          </p:nvPr>
+        </p:nvSpPr>
+        <p:spPr/>
+        <p:txBody>
+          <a:bodyPr/>
+          <a:lstStyle/>
+          <a:p>
+            <a:r>
+              <a:rPr lang="en-US" dirty="0" smtClean="0"/>
+              <a:t>Other useful Input Attributes</a:t>
+            </a:r>
+            <a:endParaRPr lang="en-US" dirty="0"/>
+          </a:p>
+        </p:txBody>
+      </p:sp>
+      <p:sp>
+        <p:nvSpPr>
+          <p:cNvPr id="5" name="Content Placeholder 4"/>
+          <p:cNvSpPr>
+            <a:spLocks noGrp="1"/>
+          </p:cNvSpPr>
+          <p:nvPr>
+            <p:ph idx="1"/>
+          </p:nvPr>
+        </p:nvSpPr>
+        <p:spPr/>
+        <p:txBody>
+          <a:bodyPr/>
+          <a:lstStyle/>
+          <a:p>
+            <a:pPr lvl="3"/>
+            <a:r>
+              <a:rPr lang="en-US" sz="2400" dirty="0"/>
+              <a:t>Placeholder – a short string that describes purpose of element</a:t>
+            </a:r>
+          </a:p>
+          <a:p>
+            <a:pPr lvl="3"/>
+            <a:r>
+              <a:rPr lang="en-US" sz="2400" dirty="0"/>
+              <a:t>Min/Max – used for numbers and dates</a:t>
+            </a:r>
+          </a:p>
+          <a:p>
+            <a:pPr lvl="3"/>
+            <a:r>
+              <a:rPr lang="en-US" sz="2400" dirty="0"/>
+              <a:t>Accept - Specifies the types of files that the server accepts (only for type="file")</a:t>
+            </a:r>
+          </a:p>
+          <a:p>
+            <a:pPr lvl="3"/>
+            <a:r>
+              <a:rPr lang="en-US" sz="2400" dirty="0"/>
+              <a:t>Checked - Specifies that an &lt;input&gt; element should be pre-selected when the page loads (for type="checkbox" or type="radio</a:t>
+            </a:r>
+            <a:r>
+              <a:rPr lang="en-US" sz="2400" dirty="0" smtClean="0"/>
+              <a:t>")</a:t>
+            </a:r>
+          </a:p>
+          <a:p>
+            <a:pPr lvl="3"/>
+            <a:r>
+              <a:rPr lang="en-US" sz="2400" dirty="0" smtClean="0"/>
+              <a:t>Disabled - </a:t>
+            </a:r>
+            <a:r>
+              <a:rPr lang="en-US" sz="2400" dirty="0"/>
+              <a:t>Specifies that an &lt;input&gt; element should be </a:t>
+            </a:r>
+            <a:r>
+              <a:rPr lang="en-US" sz="2400" dirty="0" smtClean="0"/>
+              <a:t>disabled (shows up greyed out)</a:t>
+            </a:r>
+          </a:p>
+          <a:p>
+            <a:pPr lvl="3"/>
+            <a:r>
+              <a:rPr lang="en-US" sz="2400" dirty="0" smtClean="0"/>
+              <a:t>Size - </a:t>
+            </a:r>
+            <a:r>
+              <a:rPr lang="en-US" sz="2400" dirty="0"/>
+              <a:t>Specifies the width, in characters, of an &lt;input&gt; </a:t>
+            </a:r>
+            <a:r>
+              <a:rPr lang="en-US" sz="2400" dirty="0" smtClean="0"/>
+              <a:t>element</a:t>
+            </a:r>
+          </a:p>
+          <a:p>
+            <a:pPr lvl="3"/>
+            <a:r>
+              <a:rPr lang="en-US" sz="2400" dirty="0" smtClean="0"/>
+              <a:t>… and </a:t>
+            </a:r>
+            <a:r>
+              <a:rPr lang="en-US" sz="2400" dirty="0"/>
+              <a:t>many more (</a:t>
+            </a:r>
+            <a:r>
+              <a:rPr lang="en-US" sz="2400" dirty="0">
+                <a:hlinkClick r:id="rId2"/>
+              </a:rPr>
+              <a:t>http://</a:t>
+            </a:r>
+            <a:r>
+              <a:rPr lang="en-US" sz="2400" dirty="0" smtClean="0">
+                <a:hlinkClick r:id="rId2"/>
+              </a:rPr>
+              <a:t>www.w3schools.com/tags/tag_input.asp</a:t>
+            </a:r>
+            <a:r>
+              <a:rPr lang="en-US" sz="2400" dirty="0" smtClean="0"/>
+              <a:t>)</a:t>
+            </a:r>
+            <a:endParaRPr lang="en-US" sz="2400" dirty="0"/>
+          </a:p>
+          <a:p>
+            <a:endParaRPr lang="en-US" dirty="0"/>
+          </a:p>
+        </p:txBody>
+      </p:sp>
+    </p:spTree>
+    <p:extLst>
+      <p:ext uri="{BB962C8B-B14F-4D97-AF65-F5344CB8AC3E}">
+        <p14:creationId xmlns:p14="http://schemas.microsoft.com/office/powerpoint/2010/main" val="2753555123"/>
+      </p:ext>
+    </p:extLst>
+  </p:cSld>
+  <p:clrMapOvr>
+    <a:masterClrMapping/>
+  </p:clrMapOvr>
+</p:sld>
+</file>
+
+<file path=ppt/slides/slide8.xml><?xml version="1.0" encoding="utf-8"?>
+<p:sld xmlns:a="http://schemas.openxmlformats.org/drawingml/2006/main" xmlns:r="http://schemas.openxmlformats.org/officeDocument/2006/relationships" xmlns:p="http://schemas.openxmlformats.org/presentationml/2006/main">
+  <p:cSld>
+    <p:spTree>
+      <p:nvGrpSpPr>
+        <p:cNvPr id="1" name=""/>
+        <p:cNvGrpSpPr/>
+        <p:nvPr/>
+      </p:nvGrpSpPr>
+      <p:grpSpPr>
+        <a:xfrm>
+          <a:off x="0" y="0"/>
+          <a:ext cx="0" cy="0"/>
+          <a:chOff x="0" y="0"/>
+          <a:chExt cx="0" cy="0"/>
+        </a:xfrm>
+      </p:grpSpPr>
+      <p:sp>
+        <p:nvSpPr>
+          <p:cNvPr id="2" name="Title 1"/>
+          <p:cNvSpPr>
+            <a:spLocks noGrp="1"/>
+          </p:cNvSpPr>
+          <p:nvPr>
+            <p:ph type="title"/>
+          </p:nvPr>
+        </p:nvSpPr>
+        <p:spPr/>
+        <p:txBody>
+          <a:bodyPr/>
+          <a:lstStyle/>
+          <a:p>
+            <a:r>
               <a:rPr lang="en-US" dirty="0" smtClean="0"/>
               <a:t>Form Elements</a:t>
             </a:r>
@@ -4279,145 +5094,114 @@
         <p:spPr/>
         <p:txBody>
           <a:bodyPr>
-            <a:normAutofit fontScale="92500" lnSpcReduction="20000"/>
+            <a:normAutofit fontScale="92500"/>
           </a:bodyPr>
           <a:lstStyle/>
           <a:p>
             <a:pPr lvl="1"/>
             <a:r>
-              <a:rPr lang="en-US" sz="2400" dirty="0"/>
-              <a:t>Label &lt;label&gt;&lt;/label</a:t>
-            </a:r>
-            <a:r>
-              <a:rPr lang="en-US" sz="2400" dirty="0" smtClean="0"/>
-              <a:t>&gt;</a:t>
+              <a:rPr lang="en-US" sz="2800" dirty="0"/>
+              <a:t>Label &lt;label&gt;&lt;/</a:t>
+            </a:r>
+            <a:r>
+              <a:rPr lang="en-US" sz="2800" dirty="0" smtClean="0"/>
+              <a:t>label&gt; - A structure element used to form a relationship between an input element and it’s title</a:t>
+            </a:r>
+            <a:endParaRPr lang="en-US" sz="2800" dirty="0"/>
+          </a:p>
+          <a:p>
+            <a:pPr lvl="1"/>
+            <a:r>
+              <a:rPr lang="en-US" sz="2800" dirty="0"/>
+              <a:t>Select &lt;select&gt;&lt;/select</a:t>
+            </a:r>
+            <a:r>
+              <a:rPr lang="en-US" sz="2800" dirty="0" smtClean="0"/>
+              <a:t>&gt; - Used to create drop down list</a:t>
             </a:r>
           </a:p>
           <a:p>
             <a:pPr lvl="2"/>
             <a:r>
-              <a:rPr lang="en-US" sz="2000" dirty="0" smtClean="0"/>
-              <a:t>A structure element used to form a relationship between an input element and it’s title</a:t>
-            </a:r>
-            <a:endParaRPr lang="en-US" sz="2000" dirty="0"/>
+              <a:rPr lang="en-US" sz="2200" dirty="0" smtClean="0"/>
+              <a:t>Autofocus - </a:t>
+            </a:r>
+            <a:r>
+              <a:rPr lang="en-US" sz="2200" dirty="0"/>
+              <a:t>Specifies that the drop-down list should automatically get focus when the page </a:t>
+            </a:r>
+            <a:r>
+              <a:rPr lang="en-US" sz="2200" dirty="0" smtClean="0"/>
+              <a:t>loads</a:t>
+            </a:r>
+          </a:p>
+          <a:p>
+            <a:pPr lvl="2"/>
+            <a:r>
+              <a:rPr lang="en-US" sz="2200" dirty="0" smtClean="0"/>
+              <a:t>Multiple - </a:t>
+            </a:r>
+            <a:r>
+              <a:rPr lang="en-US" sz="2200" dirty="0"/>
+              <a:t>Specifies that multiple options can be selected at </a:t>
+            </a:r>
+            <a:r>
+              <a:rPr lang="en-US" sz="2200" dirty="0" smtClean="0"/>
+              <a:t>once</a:t>
+            </a:r>
+          </a:p>
+          <a:p>
+            <a:pPr lvl="2"/>
+            <a:r>
+              <a:rPr lang="en-US" sz="2200" dirty="0" smtClean="0"/>
+              <a:t>Size - </a:t>
+            </a:r>
+            <a:r>
+              <a:rPr lang="en-US" sz="2200" dirty="0"/>
+              <a:t>Defines the number of visible options in a drop-down </a:t>
+            </a:r>
+            <a:r>
+              <a:rPr lang="en-US" sz="2200" dirty="0" smtClean="0"/>
+              <a:t>list</a:t>
+            </a:r>
+          </a:p>
+          <a:p>
+            <a:pPr lvl="2"/>
+            <a:r>
+              <a:rPr lang="en-US" sz="2200" dirty="0" smtClean="0"/>
+              <a:t>Required - </a:t>
+            </a:r>
+            <a:r>
+              <a:rPr lang="en-US" sz="2200" dirty="0"/>
+              <a:t>Specifies that the user is required to select a value before submitting the form</a:t>
+            </a:r>
           </a:p>
           <a:p>
             <a:pPr lvl="1"/>
             <a:r>
-              <a:rPr lang="en-US" sz="2400" dirty="0"/>
-              <a:t>Select &lt;select&gt;&lt;/select</a:t>
-            </a:r>
-            <a:r>
-              <a:rPr lang="en-US" sz="2400" dirty="0" smtClean="0"/>
-              <a:t>&gt;</a:t>
+              <a:rPr lang="en-US" sz="2800" dirty="0"/>
+              <a:t>Option &lt;option&gt;&lt;/</a:t>
+            </a:r>
+            <a:r>
+              <a:rPr lang="en-US" sz="2800" dirty="0" smtClean="0"/>
+              <a:t>option&gt; - Used to provide values to a drop down list</a:t>
             </a:r>
           </a:p>
           <a:p>
             <a:pPr lvl="2"/>
             <a:r>
-              <a:rPr lang="en-US" sz="2000" dirty="0" smtClean="0"/>
-              <a:t>Used to create drop down list</a:t>
-            </a:r>
-            <a:endParaRPr lang="en-US" sz="2000" dirty="0"/>
-          </a:p>
-          <a:p>
-            <a:pPr lvl="2"/>
-            <a:r>
-              <a:rPr lang="en-US" sz="1800" dirty="0"/>
-              <a:t>Option &lt;option&gt;&lt;/option</a:t>
-            </a:r>
-            <a:r>
-              <a:rPr lang="en-US" sz="1800" dirty="0" smtClean="0"/>
-              <a:t>&gt;</a:t>
-            </a:r>
-          </a:p>
-          <a:p>
-            <a:pPr lvl="3"/>
-            <a:r>
-              <a:rPr lang="en-US" sz="1800" dirty="0" smtClean="0"/>
-              <a:t>Used to provide values to a drop down list</a:t>
-            </a:r>
-            <a:endParaRPr lang="en-US" sz="1800" dirty="0"/>
+              <a:rPr lang="en-US" sz="2200" dirty="0" smtClean="0"/>
+              <a:t>Selected - </a:t>
+            </a:r>
+            <a:r>
+              <a:rPr lang="en-US" sz="2200" dirty="0"/>
+              <a:t>Specifies that an option should be pre-selected when the page loads</a:t>
+            </a:r>
+            <a:endParaRPr lang="en-US" sz="2200" dirty="0" smtClean="0"/>
           </a:p>
           <a:p>
             <a:pPr lvl="1"/>
-            <a:r>
-              <a:rPr lang="en-US" sz="2400" dirty="0" err="1"/>
-              <a:t>Textarea</a:t>
-            </a:r>
-            <a:r>
-              <a:rPr lang="en-US" sz="2400" dirty="0"/>
-              <a:t> &lt;</a:t>
-            </a:r>
-            <a:r>
-              <a:rPr lang="en-US" sz="2400" dirty="0" err="1"/>
-              <a:t>textaread</a:t>
-            </a:r>
-            <a:r>
-              <a:rPr lang="en-US" sz="2400" dirty="0"/>
-              <a:t>&gt;&lt;/</a:t>
-            </a:r>
-            <a:r>
-              <a:rPr lang="en-US" sz="2400" dirty="0" err="1"/>
-              <a:t>textarea</a:t>
-            </a:r>
-            <a:r>
-              <a:rPr lang="en-US" sz="2400" dirty="0" smtClean="0"/>
-              <a:t>&gt;</a:t>
-            </a:r>
-          </a:p>
-          <a:p>
-            <a:pPr lvl="2"/>
-            <a:r>
-              <a:rPr lang="en-US" sz="2000" dirty="0" smtClean="0"/>
-              <a:t>Used to create a text box that spans multiple lines</a:t>
-            </a:r>
-            <a:endParaRPr lang="en-US" sz="2000" dirty="0"/>
-          </a:p>
-          <a:p>
-            <a:pPr lvl="1"/>
-            <a:r>
-              <a:rPr lang="en-US" sz="2400" dirty="0"/>
-              <a:t>Button &lt;button&gt;&lt;/button</a:t>
-            </a:r>
-            <a:r>
-              <a:rPr lang="en-US" sz="2400" dirty="0" smtClean="0"/>
-              <a:t>&gt;</a:t>
-            </a:r>
-          </a:p>
-          <a:p>
-            <a:pPr lvl="2"/>
-            <a:r>
-              <a:rPr lang="en-US" sz="2000" dirty="0" smtClean="0"/>
-              <a:t>A valid tag, but not the preferred method of creating buttons any more</a:t>
-            </a:r>
-          </a:p>
-          <a:p>
-            <a:pPr lvl="2"/>
-            <a:r>
-              <a:rPr lang="en-US" sz="2000" dirty="0" smtClean="0"/>
-              <a:t>For a more detailed explanation of the difference between button and input </a:t>
-            </a:r>
-            <a:r>
-              <a:rPr lang="en-US" sz="2000" dirty="0"/>
-              <a:t>type=button please see (</a:t>
-            </a:r>
-            <a:r>
-              <a:rPr lang="en-US" sz="2000" dirty="0">
-                <a:hlinkClick r:id="rId2"/>
-              </a:rPr>
-              <a:t>http://web.archive.org/web/20110721191046/http://particletree.com/features/rediscovering-the-button-element</a:t>
-            </a:r>
-            <a:r>
-              <a:rPr lang="en-US" sz="2000" dirty="0" smtClean="0">
-                <a:hlinkClick r:id="rId2"/>
-              </a:rPr>
-              <a:t>/</a:t>
-            </a:r>
-            <a:r>
-              <a:rPr lang="en-US" sz="2000" dirty="0" smtClean="0"/>
-              <a:t>)</a:t>
-            </a:r>
+            <a:endParaRPr lang="en-US" sz="2400" dirty="0"/>
           </a:p>
           <a:p>
             <a:pPr lvl="2"/>
@@ -4432,6 +5216,154 @@
     <p:extLst>
       <p:ext uri="{BB962C8B-B14F-4D97-AF65-F5344CB8AC3E}">
         <p14:creationId xmlns:p14="http://schemas.microsoft.com/office/powerpoint/2010/main" val="3190637245"/>
+      </p:ext>
+    </p:extLst>
+  </p:cSld>
+  <p:clrMapOvr>
+    <a:masterClrMapping/>
+  </p:clrMapOvr>
+</p:sld>
+</file>
+
+<file path=ppt/slides/slide9.xml><?xml version="1.0" encoding="utf-8"?>
+<p:sld xmlns:a="http://schemas.openxmlformats.org/drawingml/2006/main" xmlns:r="http://schemas.openxmlformats.org/officeDocument/2006/relationships" xmlns:p="http://schemas.openxmlformats.org/presentationml/2006/main">
+  <p:cSld>
+    <p:spTree>
+      <p:nvGrpSpPr>
+        <p:cNvPr id="1" name=""/>
+        <p:cNvGrpSpPr/>
+        <p:nvPr/>
+      </p:nvGrpSpPr>
+      <p:grpSpPr>
+        <a:xfrm>
+          <a:off x="0" y="0"/>
+          <a:ext cx="0" cy="0"/>
+          <a:chOff x="0" y="0"/>
+          <a:chExt cx="0" cy="0"/>
+        </a:xfrm>
+      </p:grpSpPr>
+      <p:sp>
+        <p:nvSpPr>
+          <p:cNvPr id="2" name="Title 1"/>
+          <p:cNvSpPr>
+            <a:spLocks noGrp="1"/>
+          </p:cNvSpPr>
+          <p:nvPr>
+            <p:ph type="title"/>
+          </p:nvPr>
+        </p:nvSpPr>
+        <p:spPr/>
+        <p:txBody>
+          <a:bodyPr/>
+          <a:lstStyle/>
+          <a:p>
+            <a:r>
+              <a:rPr lang="en-US" dirty="0" smtClean="0"/>
+              <a:t>Form Elements</a:t>
+            </a:r>
+            <a:endParaRPr lang="en-US" dirty="0"/>
+          </a:p>
+        </p:txBody>
+      </p:sp>
+      <p:sp>
+        <p:nvSpPr>
+          <p:cNvPr id="3" name="Content Placeholder 2"/>
+          <p:cNvSpPr>
+            <a:spLocks noGrp="1"/>
+          </p:cNvSpPr>
+          <p:nvPr>
+            <p:ph idx="1"/>
+          </p:nvPr>
+        </p:nvSpPr>
+        <p:spPr/>
+        <p:txBody>
+          <a:bodyPr>
+            <a:normAutofit fontScale="92500"/>
+          </a:bodyPr>
+          <a:lstStyle/>
+          <a:p>
+            <a:pPr lvl="1"/>
+            <a:r>
+              <a:rPr lang="en-US" sz="3200" dirty="0" err="1" smtClean="0"/>
+              <a:t>Textarea</a:t>
+            </a:r>
+            <a:r>
+              <a:rPr lang="en-US" sz="3200" dirty="0" smtClean="0"/>
+              <a:t> &lt;</a:t>
+            </a:r>
+            <a:r>
+              <a:rPr lang="en-US" sz="3200" dirty="0" err="1" smtClean="0"/>
+              <a:t>textaread</a:t>
+            </a:r>
+            <a:r>
+              <a:rPr lang="en-US" sz="3200" dirty="0" smtClean="0"/>
+              <a:t>&gt;&lt;/</a:t>
+            </a:r>
+            <a:r>
+              <a:rPr lang="en-US" sz="3200" dirty="0" err="1" smtClean="0"/>
+              <a:t>textarea</a:t>
+            </a:r>
+            <a:r>
+              <a:rPr lang="en-US" sz="3200" dirty="0" smtClean="0"/>
+              <a:t>&gt;</a:t>
+            </a:r>
+          </a:p>
+          <a:p>
+            <a:pPr lvl="2"/>
+            <a:r>
+              <a:rPr lang="en-US" sz="2800" dirty="0" smtClean="0"/>
+              <a:t>Used to create a text box that spans multiple lines</a:t>
+            </a:r>
+          </a:p>
+          <a:p>
+            <a:pPr lvl="1"/>
+            <a:r>
+              <a:rPr lang="en-US" sz="3200" dirty="0" smtClean="0"/>
+              <a:t>Button &lt;button&gt;&lt;/button&gt;</a:t>
+            </a:r>
+          </a:p>
+          <a:p>
+            <a:pPr lvl="2"/>
+            <a:r>
+              <a:rPr lang="en-US" sz="2800" dirty="0" smtClean="0"/>
+              <a:t>A valid tag, but not the preferred method of creating buttons any more</a:t>
+            </a:r>
+          </a:p>
+          <a:p>
+            <a:pPr lvl="2"/>
+            <a:r>
+              <a:rPr lang="en-US" sz="2800" dirty="0" smtClean="0"/>
+              <a:t>For a more detailed explanation of the difference between button and input type=button please see </a:t>
+            </a:r>
+          </a:p>
+          <a:p>
+            <a:pPr lvl="3"/>
+            <a:r>
+              <a:rPr lang="en-US" sz="2800" dirty="0" smtClean="0">
+                <a:hlinkClick r:id="rId2"/>
+              </a:rPr>
+              <a:t>http://web.archive.org/web/20110721191046/</a:t>
+            </a:r>
+          </a:p>
+          <a:p>
+            <a:pPr lvl="3"/>
+            <a:r>
+              <a:rPr lang="en-US" sz="2800" dirty="0" smtClean="0">
+                <a:hlinkClick r:id="rId2"/>
+              </a:rPr>
+              <a:t>http://particletree.com/features/rediscovering-the-button-element/</a:t>
+            </a:r>
+            <a:endParaRPr lang="en-US" sz="2800" dirty="0" smtClean="0"/>
+          </a:p>
+          <a:p>
+            <a:endParaRPr lang="en-US" dirty="0"/>
+          </a:p>
+        </p:txBody>
+      </p:sp>
+    </p:spTree>
+    <p:extLst>
+      <p:ext uri="{BB962C8B-B14F-4D97-AF65-F5344CB8AC3E}">
+        <p14:creationId xmlns:p14="http://schemas.microsoft.com/office/powerpoint/2010/main" val="3566816489"/>
       </p:ext>
     </p:extLst>
   </p:cSld>
